--- a/figure 2B/RA-PRA-HC-PLSDA.pptx
+++ b/figure 2B/RA-PRA-HC-PLSDA.pptx
@@ -2299,7 +2299,7 @@
           <p:spPr>
             <a:xfrm>
               <a:off x="914400" y="914400"/>
-              <a:ext cx="5486400" cy="5486399"/>
+              <a:ext cx="5486400" cy="5486400"/>
             </a:xfrm>
             <a:prstGeom prst="rect">
               <a:avLst/>
@@ -2359,7 +2359,7 @@
           </p:nvSpPr>
           <p:spPr>
             <a:xfrm>
-              <a:off x="4931188" y="3563818"/>
+              <a:off x="4951035" y="3543091"/>
               <a:ext cx="57782" cy="57782"/>
             </a:xfrm>
             <a:prstGeom prst="ellipse">
@@ -2394,7 +2394,7 @@
           </p:nvSpPr>
           <p:spPr>
             <a:xfrm>
-              <a:off x="3250398" y="5719231"/>
+              <a:off x="3273875" y="5719231"/>
               <a:ext cx="57782" cy="57782"/>
             </a:xfrm>
             <a:prstGeom prst="ellipse">
@@ -2429,7 +2429,7 @@
           </p:nvSpPr>
           <p:spPr>
             <a:xfrm>
-              <a:off x="5600808" y="3038862"/>
+              <a:off x="5605871" y="3042645"/>
               <a:ext cx="57782" cy="57782"/>
             </a:xfrm>
             <a:prstGeom prst="ellipse">
@@ -2464,7 +2464,7 @@
           </p:nvSpPr>
           <p:spPr>
             <a:xfrm>
-              <a:off x="5104097" y="3005751"/>
+              <a:off x="5134446" y="3001070"/>
               <a:ext cx="57782" cy="57782"/>
             </a:xfrm>
             <a:prstGeom prst="ellipse">
@@ -2499,7 +2499,7 @@
           </p:nvSpPr>
           <p:spPr>
             <a:xfrm>
-              <a:off x="5512618" y="3060650"/>
+              <a:off x="5518485" y="3068068"/>
               <a:ext cx="57782" cy="57782"/>
             </a:xfrm>
             <a:prstGeom prst="ellipse">
@@ -2534,7 +2534,7 @@
           </p:nvSpPr>
           <p:spPr>
             <a:xfrm>
-              <a:off x="3699716" y="4890551"/>
+              <a:off x="3719347" y="4893642"/>
               <a:ext cx="57782" cy="57782"/>
             </a:xfrm>
             <a:prstGeom prst="ellipse">
@@ -2569,7 +2569,7 @@
           </p:nvSpPr>
           <p:spPr>
             <a:xfrm>
-              <a:off x="5420149" y="2782403"/>
+              <a:off x="5425538" y="2786660"/>
               <a:ext cx="57782" cy="57782"/>
             </a:xfrm>
             <a:prstGeom prst="ellipse">
@@ -2604,7 +2604,7 @@
           </p:nvSpPr>
           <p:spPr>
             <a:xfrm>
-              <a:off x="5291983" y="2881773"/>
+              <a:off x="5298068" y="2888258"/>
               <a:ext cx="57782" cy="57782"/>
             </a:xfrm>
             <a:prstGeom prst="ellipse">
@@ -2639,7 +2639,7 @@
           </p:nvSpPr>
           <p:spPr>
             <a:xfrm>
-              <a:off x="5605359" y="3021697"/>
+              <a:off x="5611277" y="3029023"/>
               <a:ext cx="57782" cy="57782"/>
             </a:xfrm>
             <a:prstGeom prst="ellipse">
@@ -2674,7 +2674,7 @@
           </p:nvSpPr>
           <p:spPr>
             <a:xfrm>
-              <a:off x="5250139" y="2981160"/>
+              <a:off x="5259331" y="2978379"/>
               <a:ext cx="57782" cy="57782"/>
             </a:xfrm>
             <a:prstGeom prst="ellipse">
@@ -2709,7 +2709,7 @@
           </p:nvSpPr>
           <p:spPr>
             <a:xfrm>
-              <a:off x="4727585" y="3802032"/>
+              <a:off x="4752378" y="3769803"/>
               <a:ext cx="57782" cy="57782"/>
             </a:xfrm>
             <a:prstGeom prst="ellipse">
@@ -2744,7 +2744,7 @@
           </p:nvSpPr>
           <p:spPr>
             <a:xfrm>
-              <a:off x="5231099" y="2865015"/>
+              <a:off x="5235042" y="2854174"/>
               <a:ext cx="57782" cy="57782"/>
             </a:xfrm>
             <a:prstGeom prst="ellipse">
@@ -2779,7 +2779,7 @@
           </p:nvSpPr>
           <p:spPr>
             <a:xfrm>
-              <a:off x="5554648" y="2946986"/>
+              <a:off x="5559996" y="2948106"/>
               <a:ext cx="57782" cy="57782"/>
             </a:xfrm>
             <a:prstGeom prst="ellipse">
@@ -2814,7 +2814,7 @@
           </p:nvSpPr>
           <p:spPr>
             <a:xfrm>
-              <a:off x="5257716" y="2840324"/>
+              <a:off x="5265948" y="2838237"/>
               <a:ext cx="57782" cy="57782"/>
             </a:xfrm>
             <a:prstGeom prst="ellipse">
@@ -2849,7 +2849,7 @@
           </p:nvSpPr>
           <p:spPr>
             <a:xfrm>
-              <a:off x="5612291" y="2995491"/>
+              <a:off x="5615392" y="3001188"/>
               <a:ext cx="57782" cy="57782"/>
             </a:xfrm>
             <a:prstGeom prst="ellipse">
@@ -2884,7 +2884,7 @@
           </p:nvSpPr>
           <p:spPr>
             <a:xfrm>
-              <a:off x="4873008" y="3626563"/>
+              <a:off x="4886835" y="3605824"/>
               <a:ext cx="57782" cy="57782"/>
             </a:xfrm>
             <a:prstGeom prst="ellipse">
@@ -2919,7 +2919,7 @@
           </p:nvSpPr>
           <p:spPr>
             <a:xfrm>
-              <a:off x="4504320" y="3744073"/>
+              <a:off x="4533494" y="3704015"/>
               <a:ext cx="57782" cy="57782"/>
             </a:xfrm>
             <a:prstGeom prst="ellipse">
@@ -2954,7 +2954,7 @@
           </p:nvSpPr>
           <p:spPr>
             <a:xfrm>
-              <a:off x="5107008" y="3516679"/>
+              <a:off x="5111360" y="3518660"/>
               <a:ext cx="57782" cy="57782"/>
             </a:xfrm>
             <a:prstGeom prst="ellipse">
@@ -2989,7 +2989,7 @@
           </p:nvSpPr>
           <p:spPr>
             <a:xfrm>
-              <a:off x="4262892" y="3901205"/>
+              <a:off x="4292043" y="3917113"/>
               <a:ext cx="57782" cy="57782"/>
             </a:xfrm>
             <a:prstGeom prst="ellipse">
@@ -3024,7 +3024,7 @@
           </p:nvSpPr>
           <p:spPr>
             <a:xfrm>
-              <a:off x="5190502" y="3382133"/>
+              <a:off x="5206933" y="3367716"/>
               <a:ext cx="57782" cy="57782"/>
             </a:xfrm>
             <a:prstGeom prst="ellipse">
@@ -3059,7 +3059,7 @@
           </p:nvSpPr>
           <p:spPr>
             <a:xfrm>
-              <a:off x="4385385" y="3732625"/>
+              <a:off x="4413779" y="3747079"/>
               <a:ext cx="57782" cy="57782"/>
             </a:xfrm>
             <a:prstGeom prst="ellipse">
@@ -3094,7 +3094,7 @@
           </p:nvSpPr>
           <p:spPr>
             <a:xfrm>
-              <a:off x="5282973" y="3230637"/>
+              <a:off x="5289875" y="3236553"/>
               <a:ext cx="57782" cy="57782"/>
             </a:xfrm>
             <a:prstGeom prst="ellipse">
@@ -3129,7 +3129,7 @@
           </p:nvSpPr>
           <p:spPr>
             <a:xfrm>
-              <a:off x="5288646" y="3039846"/>
+              <a:off x="5318870" y="3035164"/>
               <a:ext cx="57782" cy="57782"/>
             </a:xfrm>
             <a:prstGeom prst="ellipse">
@@ -3164,7 +3164,7 @@
           </p:nvSpPr>
           <p:spPr>
             <a:xfrm>
-              <a:off x="5088709" y="2857319"/>
+              <a:off x="5095033" y="2867425"/>
               <a:ext cx="57782" cy="57782"/>
             </a:xfrm>
             <a:prstGeom prst="ellipse">
@@ -3199,7 +3199,7 @@
           </p:nvSpPr>
           <p:spPr>
             <a:xfrm>
-              <a:off x="4822630" y="3479533"/>
+              <a:off x="4832311" y="3489203"/>
               <a:ext cx="57782" cy="57782"/>
             </a:xfrm>
             <a:prstGeom prst="ellipse">
@@ -3234,7 +3234,7 @@
           </p:nvSpPr>
           <p:spPr>
             <a:xfrm>
-              <a:off x="4576846" y="4563700"/>
+              <a:off x="4610052" y="4523511"/>
               <a:ext cx="57782" cy="57782"/>
             </a:xfrm>
             <a:prstGeom prst="ellipse">
@@ -3269,7 +3269,7 @@
           </p:nvSpPr>
           <p:spPr>
             <a:xfrm>
-              <a:off x="5336694" y="3136340"/>
+              <a:off x="5344406" y="3143560"/>
               <a:ext cx="57782" cy="57782"/>
             </a:xfrm>
             <a:prstGeom prst="ellipse">
@@ -3304,7 +3304,7 @@
           </p:nvSpPr>
           <p:spPr>
             <a:xfrm>
-              <a:off x="5448492" y="3005272"/>
+              <a:off x="5459525" y="2999727"/>
               <a:ext cx="57782" cy="57782"/>
             </a:xfrm>
             <a:prstGeom prst="ellipse">
@@ -3339,7 +3339,7 @@
           </p:nvSpPr>
           <p:spPr>
             <a:xfrm>
-              <a:off x="5285912" y="2989715"/>
+              <a:off x="5295844" y="2989685"/>
               <a:ext cx="57782" cy="57782"/>
             </a:xfrm>
             <a:prstGeom prst="ellipse">
@@ -3374,7 +3374,7 @@
           </p:nvSpPr>
           <p:spPr>
             <a:xfrm>
-              <a:off x="5509614" y="3052768"/>
+              <a:off x="5517336" y="3058212"/>
               <a:ext cx="57782" cy="57782"/>
             </a:xfrm>
             <a:prstGeom prst="ellipse">
@@ -3409,7 +3409,7 @@
           </p:nvSpPr>
           <p:spPr>
             <a:xfrm>
-              <a:off x="5239032" y="2987805"/>
+              <a:off x="5269867" y="2983151"/>
               <a:ext cx="57782" cy="57782"/>
             </a:xfrm>
             <a:prstGeom prst="ellipse">
@@ -3444,7 +3444,7 @@
           </p:nvSpPr>
           <p:spPr>
             <a:xfrm>
-              <a:off x="4211743" y="3825884"/>
+              <a:off x="4227108" y="3806914"/>
               <a:ext cx="57782" cy="57782"/>
             </a:xfrm>
             <a:prstGeom prst="ellipse">
@@ -3479,7 +3479,7 @@
           </p:nvSpPr>
           <p:spPr>
             <a:xfrm>
-              <a:off x="5517536" y="2924767"/>
+              <a:off x="5524073" y="2932112"/>
               <a:ext cx="57782" cy="57782"/>
             </a:xfrm>
             <a:prstGeom prst="ellipse">
@@ -3514,7 +3514,7 @@
           </p:nvSpPr>
           <p:spPr>
             <a:xfrm>
-              <a:off x="4629184" y="3898638"/>
+              <a:off x="4632927" y="3923578"/>
               <a:ext cx="57782" cy="57782"/>
             </a:xfrm>
             <a:prstGeom prst="ellipse">
@@ -3549,7 +3549,7 @@
           </p:nvSpPr>
           <p:spPr>
             <a:xfrm>
-              <a:off x="4163349" y="4151212"/>
+              <a:off x="4166683" y="4186201"/>
               <a:ext cx="57782" cy="57782"/>
             </a:xfrm>
             <a:prstGeom prst="ellipse">
@@ -3584,7 +3584,7 @@
           </p:nvSpPr>
           <p:spPr>
             <a:xfrm>
-              <a:off x="4974439" y="2811476"/>
+              <a:off x="4980294" y="2816899"/>
               <a:ext cx="57782" cy="57782"/>
             </a:xfrm>
             <a:prstGeom prst="ellipse">
@@ -3619,7 +3619,7 @@
           </p:nvSpPr>
           <p:spPr>
             <a:xfrm>
-              <a:off x="5157965" y="2899516"/>
+              <a:off x="5164606" y="2902097"/>
               <a:ext cx="57782" cy="57782"/>
             </a:xfrm>
             <a:prstGeom prst="ellipse">
@@ -3654,7 +3654,7 @@
           </p:nvSpPr>
           <p:spPr>
             <a:xfrm>
-              <a:off x="5447747" y="2987590"/>
+              <a:off x="5452981" y="2991984"/>
               <a:ext cx="57782" cy="57782"/>
             </a:xfrm>
             <a:prstGeom prst="ellipse">
@@ -3689,7 +3689,7 @@
           </p:nvSpPr>
           <p:spPr>
             <a:xfrm>
-              <a:off x="4022909" y="4644378"/>
+              <a:off x="4029520" y="4681520"/>
               <a:ext cx="57782" cy="57782"/>
             </a:xfrm>
             <a:prstGeom prst="ellipse">
@@ -3724,7 +3724,7 @@
           </p:nvSpPr>
           <p:spPr>
             <a:xfrm>
-              <a:off x="5135745" y="3083154"/>
+              <a:off x="5141585" y="3091740"/>
               <a:ext cx="57782" cy="57782"/>
             </a:xfrm>
             <a:prstGeom prst="ellipse">
@@ -3759,7 +3759,7 @@
           </p:nvSpPr>
           <p:spPr>
             <a:xfrm>
-              <a:off x="5432279" y="2958485"/>
+              <a:off x="5442869" y="2953211"/>
               <a:ext cx="57782" cy="57782"/>
             </a:xfrm>
             <a:prstGeom prst="ellipse">
@@ -3794,7 +3794,7 @@
           </p:nvSpPr>
           <p:spPr>
             <a:xfrm>
-              <a:off x="5490043" y="2857631"/>
+              <a:off x="5496328" y="2861696"/>
               <a:ext cx="57782" cy="57782"/>
             </a:xfrm>
             <a:prstGeom prst="ellipse">
@@ -3829,7 +3829,7 @@
           </p:nvSpPr>
           <p:spPr>
             <a:xfrm>
-              <a:off x="5212289" y="2706827"/>
+              <a:off x="5217145" y="2714384"/>
               <a:ext cx="57782" cy="57782"/>
             </a:xfrm>
             <a:prstGeom prst="ellipse">
@@ -3864,7 +3864,7 @@
           </p:nvSpPr>
           <p:spPr>
             <a:xfrm>
-              <a:off x="5527594" y="2879289"/>
+              <a:off x="5533501" y="2881021"/>
               <a:ext cx="57782" cy="57782"/>
             </a:xfrm>
             <a:prstGeom prst="ellipse">
@@ -3899,7 +3899,7 @@
           </p:nvSpPr>
           <p:spPr>
             <a:xfrm>
-              <a:off x="5238044" y="3126425"/>
+              <a:off x="5247456" y="3123358"/>
               <a:ext cx="57782" cy="57782"/>
             </a:xfrm>
             <a:prstGeom prst="ellipse">
@@ -3934,7 +3934,7 @@
           </p:nvSpPr>
           <p:spPr>
             <a:xfrm>
-              <a:off x="5386757" y="3135687"/>
+              <a:off x="5419173" y="3127499"/>
               <a:ext cx="57782" cy="57782"/>
             </a:xfrm>
             <a:prstGeom prst="ellipse">
@@ -3969,7 +3969,7 @@
           </p:nvSpPr>
           <p:spPr>
             <a:xfrm>
-              <a:off x="3922580" y="3736088"/>
+              <a:off x="3950915" y="3753223"/>
               <a:ext cx="57782" cy="57782"/>
             </a:xfrm>
             <a:prstGeom prst="ellipse">
@@ -4004,7 +4004,7 @@
           </p:nvSpPr>
           <p:spPr>
             <a:xfrm>
-              <a:off x="5285036" y="2988314"/>
+              <a:off x="5290109" y="2977992"/>
               <a:ext cx="57782" cy="57782"/>
             </a:xfrm>
             <a:prstGeom prst="ellipse">
@@ -4039,7 +4039,7 @@
           </p:nvSpPr>
           <p:spPr>
             <a:xfrm>
-              <a:off x="5537415" y="3423360"/>
+              <a:off x="5545643" y="3427369"/>
               <a:ext cx="57782" cy="57782"/>
             </a:xfrm>
             <a:prstGeom prst="ellipse">
@@ -4074,7 +4074,7 @@
           </p:nvSpPr>
           <p:spPr>
             <a:xfrm>
-              <a:off x="5452512" y="3206397"/>
+              <a:off x="5460052" y="3208653"/>
               <a:ext cx="57782" cy="57782"/>
             </a:xfrm>
             <a:prstGeom prst="ellipse">
@@ -4109,7 +4109,7 @@
           </p:nvSpPr>
           <p:spPr>
             <a:xfrm>
-              <a:off x="5127487" y="3175198"/>
+              <a:off x="5156901" y="3176675"/>
               <a:ext cx="57782" cy="57782"/>
             </a:xfrm>
             <a:prstGeom prst="ellipse">
@@ -4144,7 +4144,7 @@
           </p:nvSpPr>
           <p:spPr>
             <a:xfrm>
-              <a:off x="4758223" y="3891937"/>
+              <a:off x="4779539" y="3872303"/>
               <a:ext cx="57782" cy="57782"/>
             </a:xfrm>
             <a:prstGeom prst="ellipse">
@@ -4179,7 +4179,7 @@
           </p:nvSpPr>
           <p:spPr>
             <a:xfrm>
-              <a:off x="4231204" y="3985256"/>
+              <a:off x="4253884" y="3968016"/>
               <a:ext cx="57782" cy="57782"/>
             </a:xfrm>
             <a:prstGeom prst="ellipse">
@@ -4214,7 +4214,7 @@
           </p:nvSpPr>
           <p:spPr>
             <a:xfrm>
-              <a:off x="5399420" y="2848184"/>
+              <a:off x="5403800" y="2856811"/>
               <a:ext cx="57782" cy="57782"/>
             </a:xfrm>
             <a:prstGeom prst="ellipse">
@@ -4249,7 +4249,7 @@
           </p:nvSpPr>
           <p:spPr>
             <a:xfrm>
-              <a:off x="5446866" y="2927225"/>
+              <a:off x="5452812" y="2933071"/>
               <a:ext cx="57782" cy="57782"/>
             </a:xfrm>
             <a:prstGeom prst="ellipse">
@@ -4284,7 +4284,7 @@
           </p:nvSpPr>
           <p:spPr>
             <a:xfrm>
-              <a:off x="4991532" y="3081866"/>
+              <a:off x="5020592" y="3083848"/>
               <a:ext cx="57782" cy="57782"/>
             </a:xfrm>
             <a:prstGeom prst="ellipse">
@@ -4319,7 +4319,7 @@
           </p:nvSpPr>
           <p:spPr>
             <a:xfrm>
-              <a:off x="5150570" y="3178139"/>
+              <a:off x="5165495" y="3164732"/>
               <a:ext cx="57782" cy="57782"/>
             </a:xfrm>
             <a:prstGeom prst="ellipse">
@@ -4354,7 +4354,7 @@
           </p:nvSpPr>
           <p:spPr>
             <a:xfrm>
-              <a:off x="5497718" y="2951866"/>
+              <a:off x="5503270" y="2957609"/>
               <a:ext cx="57782" cy="57782"/>
             </a:xfrm>
             <a:prstGeom prst="ellipse">
@@ -4389,7 +4389,7 @@
           </p:nvSpPr>
           <p:spPr>
             <a:xfrm>
-              <a:off x="4814079" y="3524817"/>
+              <a:off x="4830025" y="3505689"/>
               <a:ext cx="57782" cy="57782"/>
             </a:xfrm>
             <a:prstGeom prst="ellipse">
@@ -4424,7 +4424,7 @@
           </p:nvSpPr>
           <p:spPr>
             <a:xfrm>
-              <a:off x="5596949" y="2931102"/>
+              <a:off x="5603668" y="2935405"/>
               <a:ext cx="57782" cy="57782"/>
             </a:xfrm>
             <a:prstGeom prst="ellipse">
@@ -4459,7 +4459,7 @@
           </p:nvSpPr>
           <p:spPr>
             <a:xfrm>
-              <a:off x="3804081" y="4522974"/>
+              <a:off x="3805968" y="4564639"/>
               <a:ext cx="57782" cy="57782"/>
             </a:xfrm>
             <a:prstGeom prst="ellipse">
@@ -4494,7 +4494,7 @@
           </p:nvSpPr>
           <p:spPr>
             <a:xfrm>
-              <a:off x="4615083" y="3475400"/>
+              <a:off x="4620514" y="3494627"/>
               <a:ext cx="57782" cy="57782"/>
             </a:xfrm>
             <a:prstGeom prst="ellipse">
@@ -4529,7 +4529,7 @@
           </p:nvSpPr>
           <p:spPr>
             <a:xfrm>
-              <a:off x="5266670" y="3067127"/>
+              <a:off x="5276862" y="3061425"/>
               <a:ext cx="57782" cy="57782"/>
             </a:xfrm>
             <a:prstGeom prst="ellipse">
@@ -4564,7 +4564,7 @@
           </p:nvSpPr>
           <p:spPr>
             <a:xfrm>
-              <a:off x="5159674" y="3545635"/>
+              <a:off x="5168856" y="3557172"/>
               <a:ext cx="57782" cy="57782"/>
             </a:xfrm>
             <a:prstGeom prst="ellipse">
@@ -4599,7 +4599,7 @@
           </p:nvSpPr>
           <p:spPr>
             <a:xfrm>
-              <a:off x="5648802" y="2934073"/>
+              <a:off x="5657185" y="2937602"/>
               <a:ext cx="57782" cy="57782"/>
             </a:xfrm>
             <a:prstGeom prst="ellipse">
@@ -4634,7 +4634,7 @@
           </p:nvSpPr>
           <p:spPr>
             <a:xfrm>
-              <a:off x="5359189" y="2771226"/>
+              <a:off x="5365265" y="2772203"/>
               <a:ext cx="57782" cy="57782"/>
             </a:xfrm>
             <a:prstGeom prst="ellipse">
@@ -4669,7 +4669,7 @@
           </p:nvSpPr>
           <p:spPr>
             <a:xfrm>
-              <a:off x="4960414" y="2990823"/>
+              <a:off x="4965730" y="3000694"/>
               <a:ext cx="57782" cy="57782"/>
             </a:xfrm>
             <a:prstGeom prst="ellipse">
@@ -4704,7 +4704,7 @@
           </p:nvSpPr>
           <p:spPr>
             <a:xfrm>
-              <a:off x="5131765" y="2759025"/>
+              <a:off x="5137320" y="2763639"/>
               <a:ext cx="57782" cy="57782"/>
             </a:xfrm>
             <a:prstGeom prst="ellipse">
@@ -4739,7 +4739,7 @@
           </p:nvSpPr>
           <p:spPr>
             <a:xfrm>
-              <a:off x="5322454" y="2890761"/>
+              <a:off x="5327325" y="2894786"/>
               <a:ext cx="57782" cy="57782"/>
             </a:xfrm>
             <a:prstGeom prst="ellipse">
@@ -4774,7 +4774,7 @@
           </p:nvSpPr>
           <p:spPr>
             <a:xfrm>
-              <a:off x="5533271" y="3060314"/>
+              <a:off x="5536473" y="3049920"/>
               <a:ext cx="57782" cy="57782"/>
             </a:xfrm>
             <a:prstGeom prst="ellipse">
@@ -4809,7 +4809,7 @@
           </p:nvSpPr>
           <p:spPr>
             <a:xfrm>
-              <a:off x="3869882" y="4452525"/>
+              <a:off x="3872333" y="4494436"/>
               <a:ext cx="57782" cy="57782"/>
             </a:xfrm>
             <a:prstGeom prst="ellipse">
@@ -4844,7 +4844,7 @@
           </p:nvSpPr>
           <p:spPr>
             <a:xfrm>
-              <a:off x="3800504" y="4824760"/>
+              <a:off x="3803508" y="4872748"/>
               <a:ext cx="57782" cy="57782"/>
             </a:xfrm>
             <a:prstGeom prst="ellipse">
@@ -4879,7 +4879,7 @@
           </p:nvSpPr>
           <p:spPr>
             <a:xfrm>
-              <a:off x="5166080" y="3318628"/>
+              <a:off x="5183469" y="3303387"/>
               <a:ext cx="57782" cy="57782"/>
             </a:xfrm>
             <a:prstGeom prst="ellipse">
@@ -4914,7 +4914,7 @@
           </p:nvSpPr>
           <p:spPr>
             <a:xfrm>
-              <a:off x="5496771" y="2922734"/>
+              <a:off x="5502042" y="2930743"/>
               <a:ext cx="57782" cy="57782"/>
             </a:xfrm>
             <a:prstGeom prst="ellipse">
@@ -4949,7 +4949,7 @@
           </p:nvSpPr>
           <p:spPr>
             <a:xfrm>
-              <a:off x="5231906" y="2788849"/>
+              <a:off x="5236049" y="2778866"/>
               <a:ext cx="57782" cy="57782"/>
             </a:xfrm>
             <a:prstGeom prst="ellipse">
@@ -4984,7 +4984,7 @@
           </p:nvSpPr>
           <p:spPr>
             <a:xfrm>
-              <a:off x="5502630" y="3094910"/>
+              <a:off x="5508686" y="3101662"/>
               <a:ext cx="57782" cy="57782"/>
             </a:xfrm>
             <a:prstGeom prst="ellipse">
@@ -5019,7 +5019,7 @@
           </p:nvSpPr>
           <p:spPr>
             <a:xfrm>
-              <a:off x="5370531" y="2985996"/>
+              <a:off x="5377351" y="2991824"/>
               <a:ext cx="57782" cy="57782"/>
             </a:xfrm>
             <a:prstGeom prst="ellipse">
@@ -5054,7 +5054,7 @@
           </p:nvSpPr>
           <p:spPr>
             <a:xfrm>
-              <a:off x="3910541" y="4686124"/>
+              <a:off x="3912171" y="4729724"/>
               <a:ext cx="57782" cy="57782"/>
             </a:xfrm>
             <a:prstGeom prst="ellipse">
@@ -5089,7 +5089,7 @@
           </p:nvSpPr>
           <p:spPr>
             <a:xfrm>
-              <a:off x="5224043" y="2846991"/>
+              <a:off x="5228908" y="2852505"/>
               <a:ext cx="57782" cy="57782"/>
             </a:xfrm>
             <a:prstGeom prst="ellipse">
@@ -5124,7 +5124,7 @@
           </p:nvSpPr>
           <p:spPr>
             <a:xfrm>
-              <a:off x="5697030" y="3007611"/>
+              <a:off x="5703940" y="3009637"/>
               <a:ext cx="57782" cy="57782"/>
             </a:xfrm>
             <a:prstGeom prst="ellipse">
@@ -5159,7 +5159,7 @@
           </p:nvSpPr>
           <p:spPr>
             <a:xfrm>
-              <a:off x="5487447" y="2888092"/>
+              <a:off x="5492986" y="2886343"/>
               <a:ext cx="57782" cy="57782"/>
             </a:xfrm>
             <a:prstGeom prst="ellipse">
@@ -5194,7 +5194,7 @@
           </p:nvSpPr>
           <p:spPr>
             <a:xfrm>
-              <a:off x="4645191" y="3589716"/>
+              <a:off x="4666420" y="3567352"/>
               <a:ext cx="57782" cy="57782"/>
             </a:xfrm>
             <a:prstGeom prst="ellipse">
@@ -5229,7 +5229,7 @@
           </p:nvSpPr>
           <p:spPr>
             <a:xfrm>
-              <a:off x="4381989" y="3622627"/>
+              <a:off x="4396053" y="3617818"/>
               <a:ext cx="57782" cy="57782"/>
             </a:xfrm>
             <a:prstGeom prst="ellipse">
@@ -5264,7 +5264,7 @@
           </p:nvSpPr>
           <p:spPr>
             <a:xfrm>
-              <a:off x="5576204" y="2897668"/>
+              <a:off x="5583571" y="2899183"/>
               <a:ext cx="57782" cy="57782"/>
             </a:xfrm>
             <a:prstGeom prst="ellipse">
@@ -5299,7 +5299,7 @@
           </p:nvSpPr>
           <p:spPr>
             <a:xfrm>
-              <a:off x="5186292" y="2697635"/>
+              <a:off x="5188255" y="2700901"/>
               <a:ext cx="57782" cy="57782"/>
             </a:xfrm>
             <a:prstGeom prst="ellipse">
@@ -5334,7 +5334,7 @@
           </p:nvSpPr>
           <p:spPr>
             <a:xfrm>
-              <a:off x="5609275" y="2960870"/>
+              <a:off x="5614682" y="2967753"/>
               <a:ext cx="57782" cy="57782"/>
             </a:xfrm>
             <a:prstGeom prst="ellipse">
@@ -5369,7 +5369,7 @@
           </p:nvSpPr>
           <p:spPr>
             <a:xfrm>
-              <a:off x="5046185" y="3037583"/>
+              <a:off x="5058048" y="3032257"/>
               <a:ext cx="57782" cy="57782"/>
             </a:xfrm>
             <a:prstGeom prst="ellipse">
@@ -5404,7 +5404,7 @@
           </p:nvSpPr>
           <p:spPr>
             <a:xfrm>
-              <a:off x="4850777" y="3172283"/>
+              <a:off x="4860388" y="3167190"/>
               <a:ext cx="57782" cy="57782"/>
             </a:xfrm>
             <a:prstGeom prst="ellipse">
@@ -5439,7 +5439,7 @@
           </p:nvSpPr>
           <p:spPr>
             <a:xfrm>
-              <a:off x="5332606" y="2910821"/>
+              <a:off x="5339271" y="2897218"/>
               <a:ext cx="57782" cy="57782"/>
             </a:xfrm>
             <a:prstGeom prst="ellipse">
@@ -5474,7 +5474,7 @@
           </p:nvSpPr>
           <p:spPr>
             <a:xfrm>
-              <a:off x="5164753" y="2959649"/>
+              <a:off x="5169896" y="2951780"/>
               <a:ext cx="57782" cy="57782"/>
             </a:xfrm>
             <a:prstGeom prst="ellipse">
@@ -5509,7 +5509,7 @@
           </p:nvSpPr>
           <p:spPr>
             <a:xfrm>
-              <a:off x="5294778" y="2944271"/>
+              <a:off x="5301493" y="2932575"/>
               <a:ext cx="57782" cy="57782"/>
             </a:xfrm>
             <a:prstGeom prst="ellipse">
@@ -5544,7 +5544,7 @@
           </p:nvSpPr>
           <p:spPr>
             <a:xfrm>
-              <a:off x="5362446" y="2902879"/>
+              <a:off x="5366921" y="2910130"/>
               <a:ext cx="57782" cy="57782"/>
             </a:xfrm>
             <a:prstGeom prst="ellipse">
@@ -5579,7 +5579,7 @@
           </p:nvSpPr>
           <p:spPr>
             <a:xfrm>
-              <a:off x="5256749" y="2955658"/>
+              <a:off x="5261987" y="2960935"/>
               <a:ext cx="57782" cy="57782"/>
             </a:xfrm>
             <a:prstGeom prst="ellipse">
@@ -5614,7 +5614,7 @@
           </p:nvSpPr>
           <p:spPr>
             <a:xfrm>
-              <a:off x="5398470" y="2845967"/>
+              <a:off x="5405313" y="2851233"/>
               <a:ext cx="57782" cy="57782"/>
             </a:xfrm>
             <a:prstGeom prst="ellipse">
@@ -5649,7 +5649,7 @@
           </p:nvSpPr>
           <p:spPr>
             <a:xfrm>
-              <a:off x="5347840" y="2689113"/>
+              <a:off x="5354377" y="2691974"/>
               <a:ext cx="57782" cy="57782"/>
             </a:xfrm>
             <a:prstGeom prst="ellipse">
@@ -5684,7 +5684,7 @@
           </p:nvSpPr>
           <p:spPr>
             <a:xfrm>
-              <a:off x="5383259" y="2784832"/>
+              <a:off x="5390598" y="2787188"/>
               <a:ext cx="57782" cy="57782"/>
             </a:xfrm>
             <a:prstGeom prst="ellipse">
@@ -5719,7 +5719,7 @@
           </p:nvSpPr>
           <p:spPr>
             <a:xfrm>
-              <a:off x="5377925" y="2889417"/>
+              <a:off x="5383212" y="2895198"/>
               <a:ext cx="57782" cy="57782"/>
             </a:xfrm>
             <a:prstGeom prst="ellipse">
@@ -5754,7 +5754,7 @@
           </p:nvSpPr>
           <p:spPr>
             <a:xfrm>
-              <a:off x="5340563" y="3039996"/>
+              <a:off x="5352004" y="3037198"/>
               <a:ext cx="57782" cy="57782"/>
             </a:xfrm>
             <a:prstGeom prst="ellipse">
@@ -5789,7 +5789,7 @@
           </p:nvSpPr>
           <p:spPr>
             <a:xfrm>
-              <a:off x="5176804" y="2864628"/>
+              <a:off x="5183662" y="2862547"/>
               <a:ext cx="57782" cy="57782"/>
             </a:xfrm>
             <a:prstGeom prst="ellipse">
@@ -5824,7 +5824,7 @@
           </p:nvSpPr>
           <p:spPr>
             <a:xfrm>
-              <a:off x="5122627" y="2748783"/>
+              <a:off x="5133572" y="2748462"/>
               <a:ext cx="57782" cy="57782"/>
             </a:xfrm>
             <a:prstGeom prst="ellipse">
@@ -5859,7 +5859,7 @@
           </p:nvSpPr>
           <p:spPr>
             <a:xfrm>
-              <a:off x="4978967" y="3107524"/>
+              <a:off x="4982332" y="3119944"/>
               <a:ext cx="57782" cy="57782"/>
             </a:xfrm>
             <a:prstGeom prst="ellipse">
@@ -5894,7 +5894,7 @@
           </p:nvSpPr>
           <p:spPr>
             <a:xfrm>
-              <a:off x="5278967" y="2855179"/>
+              <a:off x="5285206" y="2858454"/>
               <a:ext cx="57782" cy="57782"/>
             </a:xfrm>
             <a:prstGeom prst="ellipse">
@@ -5929,7 +5929,7 @@
           </p:nvSpPr>
           <p:spPr>
             <a:xfrm>
-              <a:off x="5253008" y="2874232"/>
+              <a:off x="5263023" y="2868382"/>
               <a:ext cx="57782" cy="57782"/>
             </a:xfrm>
             <a:prstGeom prst="ellipse">
@@ -5964,7 +5964,7 @@
           </p:nvSpPr>
           <p:spPr>
             <a:xfrm>
-              <a:off x="5292752" y="2866854"/>
+              <a:off x="5297247" y="2877209"/>
               <a:ext cx="57782" cy="57782"/>
             </a:xfrm>
             <a:prstGeom prst="ellipse">
@@ -5999,7 +5999,7 @@
           </p:nvSpPr>
           <p:spPr>
             <a:xfrm>
-              <a:off x="5398241" y="3026160"/>
+              <a:off x="5409652" y="3020167"/>
               <a:ext cx="57782" cy="57782"/>
             </a:xfrm>
             <a:prstGeom prst="ellipse">
@@ -6034,7 +6034,7 @@
           </p:nvSpPr>
           <p:spPr>
             <a:xfrm>
-              <a:off x="5599229" y="3015555"/>
+              <a:off x="5606779" y="3018711"/>
               <a:ext cx="57782" cy="57782"/>
             </a:xfrm>
             <a:prstGeom prst="ellipse">
@@ -6069,7 +6069,7 @@
           </p:nvSpPr>
           <p:spPr>
             <a:xfrm>
-              <a:off x="5272462" y="2742828"/>
+              <a:off x="5278292" y="2740712"/>
               <a:ext cx="57782" cy="57782"/>
             </a:xfrm>
             <a:prstGeom prst="ellipse">
@@ -6104,7 +6104,7 @@
           </p:nvSpPr>
           <p:spPr>
             <a:xfrm>
-              <a:off x="5478999" y="2921014"/>
+              <a:off x="5485084" y="2924172"/>
               <a:ext cx="57782" cy="57782"/>
             </a:xfrm>
             <a:prstGeom prst="ellipse">
@@ -6139,7 +6139,7 @@
           </p:nvSpPr>
           <p:spPr>
             <a:xfrm>
-              <a:off x="4958210" y="3243872"/>
+              <a:off x="4986855" y="3249227"/>
               <a:ext cx="57782" cy="57782"/>
             </a:xfrm>
             <a:prstGeom prst="ellipse">
@@ -6174,7 +6174,7 @@
           </p:nvSpPr>
           <p:spPr>
             <a:xfrm>
-              <a:off x="5272529" y="3331189"/>
+              <a:off x="5276760" y="3343433"/>
               <a:ext cx="57782" cy="57782"/>
             </a:xfrm>
             <a:prstGeom prst="ellipse">
@@ -6209,7 +6209,7 @@
           </p:nvSpPr>
           <p:spPr>
             <a:xfrm>
-              <a:off x="5257983" y="2791976"/>
+              <a:off x="5264103" y="2793146"/>
               <a:ext cx="57782" cy="57782"/>
             </a:xfrm>
             <a:prstGeom prst="ellipse">
@@ -6244,7 +6244,7 @@
           </p:nvSpPr>
           <p:spPr>
             <a:xfrm>
-              <a:off x="4924798" y="3178385"/>
+              <a:off x="4931326" y="3185470"/>
               <a:ext cx="57782" cy="57782"/>
             </a:xfrm>
             <a:prstGeom prst="ellipse">
@@ -6279,7 +6279,7 @@
           </p:nvSpPr>
           <p:spPr>
             <a:xfrm>
-              <a:off x="3585559" y="5484911"/>
+              <a:off x="3598377" y="5507158"/>
               <a:ext cx="57782" cy="57782"/>
             </a:xfrm>
             <a:prstGeom prst="ellipse">
@@ -6314,7 +6314,7 @@
           </p:nvSpPr>
           <p:spPr>
             <a:xfrm>
-              <a:off x="5312679" y="2859582"/>
+              <a:off x="5318704" y="2865650"/>
               <a:ext cx="57782" cy="57782"/>
             </a:xfrm>
             <a:prstGeom prst="ellipse">
@@ -6349,7 +6349,7 @@
           </p:nvSpPr>
           <p:spPr>
             <a:xfrm>
-              <a:off x="3983754" y="4447649"/>
+              <a:off x="3996343" y="4461620"/>
               <a:ext cx="57782" cy="57782"/>
             </a:xfrm>
             <a:prstGeom prst="ellipse">
@@ -6384,7 +6384,7 @@
           </p:nvSpPr>
           <p:spPr>
             <a:xfrm>
-              <a:off x="4112767" y="4470537"/>
+              <a:off x="4116568" y="4507813"/>
               <a:ext cx="57782" cy="57782"/>
             </a:xfrm>
             <a:prstGeom prst="ellipse">
@@ -6419,7 +6419,7 @@
           </p:nvSpPr>
           <p:spPr>
             <a:xfrm>
-              <a:off x="4098589" y="4375633"/>
+              <a:off x="4118164" y="4371029"/>
               <a:ext cx="57782" cy="57782"/>
             </a:xfrm>
             <a:prstGeom prst="ellipse">
@@ -6454,7 +6454,7 @@
           </p:nvSpPr>
           <p:spPr>
             <a:xfrm>
-              <a:off x="5509243" y="2923683"/>
+              <a:off x="5517117" y="2925053"/>
               <a:ext cx="57782" cy="57782"/>
             </a:xfrm>
             <a:prstGeom prst="ellipse">
@@ -6489,7 +6489,7 @@
           </p:nvSpPr>
           <p:spPr>
             <a:xfrm>
-              <a:off x="4089289" y="4421092"/>
+              <a:off x="4104630" y="4424331"/>
               <a:ext cx="57782" cy="57782"/>
             </a:xfrm>
             <a:prstGeom prst="ellipse">
@@ -6524,7 +6524,7 @@
           </p:nvSpPr>
           <p:spPr>
             <a:xfrm>
-              <a:off x="5316898" y="2732604"/>
+              <a:off x="5321675" y="2737837"/>
               <a:ext cx="57782" cy="57782"/>
             </a:xfrm>
             <a:prstGeom prst="ellipse">
@@ -6559,7 +6559,7 @@
           </p:nvSpPr>
           <p:spPr>
             <a:xfrm>
-              <a:off x="5222687" y="3329938"/>
+              <a:off x="5238122" y="3319433"/>
               <a:ext cx="57782" cy="57782"/>
             </a:xfrm>
             <a:prstGeom prst="ellipse">
@@ -6594,7 +6594,7 @@
           </p:nvSpPr>
           <p:spPr>
             <a:xfrm>
-              <a:off x="4640866" y="3498812"/>
+              <a:off x="4645023" y="3518510"/>
               <a:ext cx="57782" cy="57782"/>
             </a:xfrm>
             <a:prstGeom prst="ellipse">
@@ -6629,7 +6629,7 @@
           </p:nvSpPr>
           <p:spPr>
             <a:xfrm>
-              <a:off x="5409404" y="2868467"/>
+              <a:off x="5416239" y="2872858"/>
               <a:ext cx="57782" cy="57782"/>
             </a:xfrm>
             <a:prstGeom prst="ellipse">
@@ -6664,7 +6664,7 @@
           </p:nvSpPr>
           <p:spPr>
             <a:xfrm>
-              <a:off x="4898996" y="3337855"/>
+              <a:off x="4929408" y="3338997"/>
               <a:ext cx="57782" cy="57782"/>
             </a:xfrm>
             <a:prstGeom prst="ellipse">
@@ -6699,7 +6699,7 @@
           </p:nvSpPr>
           <p:spPr>
             <a:xfrm>
-              <a:off x="5405422" y="2981359"/>
+              <a:off x="5410600" y="2989374"/>
               <a:ext cx="57782" cy="57782"/>
             </a:xfrm>
             <a:prstGeom prst="ellipse">
@@ -6734,7 +6734,7 @@
           </p:nvSpPr>
           <p:spPr>
             <a:xfrm>
-              <a:off x="5525695" y="3063752"/>
+              <a:off x="5530998" y="3075542"/>
               <a:ext cx="57782" cy="57782"/>
             </a:xfrm>
             <a:prstGeom prst="ellipse">
@@ -6769,7 +6769,7 @@
           </p:nvSpPr>
           <p:spPr>
             <a:xfrm>
-              <a:off x="5355331" y="2956266"/>
+              <a:off x="5361289" y="2962473"/>
               <a:ext cx="57782" cy="57782"/>
             </a:xfrm>
             <a:prstGeom prst="ellipse">
@@ -6804,7 +6804,7 @@
           </p:nvSpPr>
           <p:spPr>
             <a:xfrm>
-              <a:off x="5359711" y="2939814"/>
+              <a:off x="5362487" y="2947384"/>
               <a:ext cx="57782" cy="57782"/>
             </a:xfrm>
             <a:prstGeom prst="ellipse">
@@ -6839,7 +6839,7 @@
           </p:nvSpPr>
           <p:spPr>
             <a:xfrm>
-              <a:off x="5221373" y="3122811"/>
+              <a:off x="5228840" y="3125780"/>
               <a:ext cx="57782" cy="57782"/>
             </a:xfrm>
             <a:prstGeom prst="ellipse">
@@ -6874,7 +6874,7 @@
           </p:nvSpPr>
           <p:spPr>
             <a:xfrm>
-              <a:off x="5595560" y="2959092"/>
+              <a:off x="5601314" y="2961254"/>
               <a:ext cx="57782" cy="57782"/>
             </a:xfrm>
             <a:prstGeom prst="ellipse">
@@ -6909,7 +6909,7 @@
           </p:nvSpPr>
           <p:spPr>
             <a:xfrm>
-              <a:off x="4927867" y="3818970"/>
+              <a:off x="4934228" y="3836900"/>
               <a:ext cx="57782" cy="57782"/>
             </a:xfrm>
             <a:prstGeom prst="ellipse">
@@ -6944,7 +6944,7 @@
           </p:nvSpPr>
           <p:spPr>
             <a:xfrm>
-              <a:off x="4330301" y="4107869"/>
+              <a:off x="4362074" y="4065886"/>
               <a:ext cx="57782" cy="57782"/>
             </a:xfrm>
             <a:prstGeom prst="ellipse">
@@ -6979,7 +6979,7 @@
           </p:nvSpPr>
           <p:spPr>
             <a:xfrm>
-              <a:off x="5295605" y="2727341"/>
+              <a:off x="5299891" y="2735492"/>
               <a:ext cx="57782" cy="57782"/>
             </a:xfrm>
             <a:prstGeom prst="ellipse">
@@ -7014,7 +7014,7 @@
           </p:nvSpPr>
           <p:spPr>
             <a:xfrm>
-              <a:off x="5260945" y="2861144"/>
+              <a:off x="5266228" y="2865209"/>
               <a:ext cx="57782" cy="57782"/>
             </a:xfrm>
             <a:prstGeom prst="ellipse">
@@ -7049,7 +7049,7 @@
           </p:nvSpPr>
           <p:spPr>
             <a:xfrm>
-              <a:off x="5366866" y="3346848"/>
+              <a:off x="5373740" y="3356575"/>
               <a:ext cx="57782" cy="57782"/>
             </a:xfrm>
             <a:prstGeom prst="ellipse">
@@ -7084,7 +7084,7 @@
           </p:nvSpPr>
           <p:spPr>
             <a:xfrm>
-              <a:off x="4929054" y="3352742"/>
+              <a:off x="4934712" y="3368492"/>
               <a:ext cx="57782" cy="57782"/>
             </a:xfrm>
             <a:prstGeom prst="ellipse">
@@ -7119,7 +7119,7 @@
           </p:nvSpPr>
           <p:spPr>
             <a:xfrm>
-              <a:off x="5526287" y="2958228"/>
+              <a:off x="5531781" y="2962131"/>
               <a:ext cx="57782" cy="57782"/>
             </a:xfrm>
             <a:prstGeom prst="ellipse">
@@ -7154,7 +7154,7 @@
           </p:nvSpPr>
           <p:spPr>
             <a:xfrm>
-              <a:off x="5452418" y="2821242"/>
+              <a:off x="5457228" y="2824639"/>
               <a:ext cx="57782" cy="57782"/>
             </a:xfrm>
             <a:prstGeom prst="ellipse">
@@ -7189,7 +7189,7 @@
           </p:nvSpPr>
           <p:spPr>
             <a:xfrm>
-              <a:off x="4992040" y="2765610"/>
+              <a:off x="4996296" y="2775053"/>
               <a:ext cx="57782" cy="57782"/>
             </a:xfrm>
             <a:prstGeom prst="ellipse">
@@ -7224,7 +7224,7 @@
           </p:nvSpPr>
           <p:spPr>
             <a:xfrm>
-              <a:off x="5444148" y="2821033"/>
+              <a:off x="5451393" y="2824383"/>
               <a:ext cx="57782" cy="57782"/>
             </a:xfrm>
             <a:prstGeom prst="ellipse">
@@ -7259,7 +7259,7 @@
           </p:nvSpPr>
           <p:spPr>
             <a:xfrm>
-              <a:off x="5315931" y="2854180"/>
+              <a:off x="5321558" y="2861627"/>
               <a:ext cx="57782" cy="57782"/>
             </a:xfrm>
             <a:prstGeom prst="ellipse">
@@ -7294,7 +7294,7 @@
           </p:nvSpPr>
           <p:spPr>
             <a:xfrm>
-              <a:off x="4469484" y="3587663"/>
+              <a:off x="4471515" y="3596019"/>
               <a:ext cx="57782" cy="57782"/>
             </a:xfrm>
             <a:prstGeom prst="ellipse">
@@ -7329,7 +7329,7 @@
           </p:nvSpPr>
           <p:spPr>
             <a:xfrm>
-              <a:off x="5142915" y="2970789"/>
+              <a:off x="5175113" y="2964146"/>
               <a:ext cx="57782" cy="57782"/>
             </a:xfrm>
             <a:prstGeom prst="ellipse">
@@ -7364,7 +7364,7 @@
           </p:nvSpPr>
           <p:spPr>
             <a:xfrm>
-              <a:off x="5313824" y="3112802"/>
+              <a:off x="5316831" y="3127547"/>
               <a:ext cx="57782" cy="57782"/>
             </a:xfrm>
             <a:prstGeom prst="ellipse">
@@ -7399,7 +7399,7 @@
           </p:nvSpPr>
           <p:spPr>
             <a:xfrm>
-              <a:off x="5324125" y="2750816"/>
+              <a:off x="5328658" y="2754688"/>
               <a:ext cx="57782" cy="57782"/>
             </a:xfrm>
             <a:prstGeom prst="ellipse">
@@ -7434,7 +7434,7 @@
           </p:nvSpPr>
           <p:spPr>
             <a:xfrm>
-              <a:off x="5237871" y="2905921"/>
+              <a:off x="5239791" y="2916825"/>
               <a:ext cx="57782" cy="57782"/>
             </a:xfrm>
             <a:prstGeom prst="ellipse">
@@ -7469,7 +7469,7 @@
           </p:nvSpPr>
           <p:spPr>
             <a:xfrm>
-              <a:off x="5118750" y="2945243"/>
+              <a:off x="5124572" y="2951833"/>
               <a:ext cx="57782" cy="57782"/>
             </a:xfrm>
             <a:prstGeom prst="ellipse">
@@ -7504,7 +7504,7 @@
           </p:nvSpPr>
           <p:spPr>
             <a:xfrm>
-              <a:off x="5239701" y="2936742"/>
+              <a:off x="5241542" y="2942456"/>
               <a:ext cx="57782" cy="57782"/>
             </a:xfrm>
             <a:prstGeom prst="ellipse">
@@ -7539,7 +7539,7 @@
           </p:nvSpPr>
           <p:spPr>
             <a:xfrm>
-              <a:off x="5558462" y="3191977"/>
+              <a:off x="5563942" y="3200332"/>
               <a:ext cx="57782" cy="57782"/>
             </a:xfrm>
             <a:prstGeom prst="ellipse">
@@ -7574,7 +7574,7 @@
           </p:nvSpPr>
           <p:spPr>
             <a:xfrm>
-              <a:off x="5218093" y="2861871"/>
+              <a:off x="5224505" y="2869029"/>
               <a:ext cx="57782" cy="57782"/>
             </a:xfrm>
             <a:prstGeom prst="ellipse">
@@ -7609,7 +7609,7 @@
           </p:nvSpPr>
           <p:spPr>
             <a:xfrm>
-              <a:off x="5130548" y="3331138"/>
+              <a:off x="5143861" y="3324806"/>
               <a:ext cx="57782" cy="57782"/>
             </a:xfrm>
             <a:prstGeom prst="ellipse">
@@ -7644,7 +7644,7 @@
           </p:nvSpPr>
           <p:spPr>
             <a:xfrm>
-              <a:off x="5372737" y="3027746"/>
+              <a:off x="5381597" y="3026921"/>
               <a:ext cx="57782" cy="57782"/>
             </a:xfrm>
             <a:prstGeom prst="ellipse">
@@ -7679,7 +7679,7 @@
           </p:nvSpPr>
           <p:spPr>
             <a:xfrm>
-              <a:off x="5149934" y="3014901"/>
+              <a:off x="5158924" y="3014575"/>
               <a:ext cx="57782" cy="57782"/>
             </a:xfrm>
             <a:prstGeom prst="ellipse">
@@ -7714,7 +7714,7 @@
           </p:nvSpPr>
           <p:spPr>
             <a:xfrm>
-              <a:off x="4759637" y="3656864"/>
+              <a:off x="4767211" y="3671610"/>
               <a:ext cx="57782" cy="57782"/>
             </a:xfrm>
             <a:prstGeom prst="ellipse">
@@ -7749,7 +7749,7 @@
           </p:nvSpPr>
           <p:spPr>
             <a:xfrm>
-              <a:off x="5379661" y="3111209"/>
+              <a:off x="5385262" y="3121839"/>
               <a:ext cx="57782" cy="57782"/>
             </a:xfrm>
             <a:prstGeom prst="ellipse">
@@ -7784,7 +7784,7 @@
           </p:nvSpPr>
           <p:spPr>
             <a:xfrm>
-              <a:off x="4737105" y="3381823"/>
+              <a:off x="4741007" y="3401244"/>
               <a:ext cx="57782" cy="57782"/>
             </a:xfrm>
             <a:prstGeom prst="ellipse">
@@ -7819,7 +7819,7 @@
           </p:nvSpPr>
           <p:spPr>
             <a:xfrm>
-              <a:off x="5184982" y="3202717"/>
+              <a:off x="5188714" y="3196808"/>
               <a:ext cx="57782" cy="57782"/>
             </a:xfrm>
             <a:prstGeom prst="ellipse">
@@ -7854,7 +7854,7 @@
           </p:nvSpPr>
           <p:spPr>
             <a:xfrm>
-              <a:off x="5228944" y="2900949"/>
+              <a:off x="5236179" y="2909180"/>
               <a:ext cx="57782" cy="57782"/>
             </a:xfrm>
             <a:prstGeom prst="ellipse">
@@ -7889,7 +7889,7 @@
           </p:nvSpPr>
           <p:spPr>
             <a:xfrm>
-              <a:off x="5462297" y="3067803"/>
+              <a:off x="5463752" y="3059460"/>
               <a:ext cx="57782" cy="57782"/>
             </a:xfrm>
             <a:prstGeom prst="ellipse">
@@ -7924,7 +7924,7 @@
           </p:nvSpPr>
           <p:spPr>
             <a:xfrm>
-              <a:off x="5384840" y="2923634"/>
+              <a:off x="5390083" y="2929331"/>
               <a:ext cx="57782" cy="57782"/>
             </a:xfrm>
             <a:prstGeom prst="ellipse">
@@ -7959,7 +7959,7 @@
           </p:nvSpPr>
           <p:spPr>
             <a:xfrm>
-              <a:off x="5282687" y="2939976"/>
+              <a:off x="5290989" y="2942292"/>
               <a:ext cx="57782" cy="57782"/>
             </a:xfrm>
             <a:prstGeom prst="ellipse">
@@ -7994,7 +7994,7 @@
           </p:nvSpPr>
           <p:spPr>
             <a:xfrm>
-              <a:off x="5136610" y="2835401"/>
+              <a:off x="5148024" y="2832641"/>
               <a:ext cx="57782" cy="57782"/>
             </a:xfrm>
             <a:prstGeom prst="ellipse">
@@ -8029,7 +8029,7 @@
           </p:nvSpPr>
           <p:spPr>
             <a:xfrm>
-              <a:off x="5438142" y="3116397"/>
+              <a:off x="5450573" y="3115166"/>
               <a:ext cx="57782" cy="57782"/>
             </a:xfrm>
             <a:prstGeom prst="ellipse">
@@ -8064,7 +8064,7 @@
           </p:nvSpPr>
           <p:spPr>
             <a:xfrm>
-              <a:off x="4726464" y="3659720"/>
+              <a:off x="4755878" y="3669655"/>
               <a:ext cx="57782" cy="57782"/>
             </a:xfrm>
             <a:prstGeom prst="ellipse">
@@ -8099,7 +8099,7 @@
           </p:nvSpPr>
           <p:spPr>
             <a:xfrm>
-              <a:off x="5390322" y="2798770"/>
+              <a:off x="5395063" y="2802336"/>
               <a:ext cx="57782" cy="57782"/>
             </a:xfrm>
             <a:prstGeom prst="ellipse">
@@ -8134,7 +8134,7 @@
           </p:nvSpPr>
           <p:spPr>
             <a:xfrm>
-              <a:off x="5425625" y="3157075"/>
+              <a:off x="5429953" y="3149346"/>
               <a:ext cx="57782" cy="57782"/>
             </a:xfrm>
             <a:prstGeom prst="ellipse">
@@ -8169,7 +8169,7 @@
           </p:nvSpPr>
           <p:spPr>
             <a:xfrm>
-              <a:off x="5634191" y="3053188"/>
+              <a:off x="5641417" y="3048648"/>
               <a:ext cx="57782" cy="57782"/>
             </a:xfrm>
             <a:prstGeom prst="ellipse">
@@ -8204,7 +8204,7 @@
           </p:nvSpPr>
           <p:spPr>
             <a:xfrm>
-              <a:off x="5073219" y="2855473"/>
+              <a:off x="5078174" y="2862862"/>
               <a:ext cx="57782" cy="57782"/>
             </a:xfrm>
             <a:prstGeom prst="ellipse">
@@ -8239,7 +8239,7 @@
           </p:nvSpPr>
           <p:spPr>
             <a:xfrm>
-              <a:off x="5430506" y="2972315"/>
+              <a:off x="5439181" y="2971866"/>
               <a:ext cx="57782" cy="57782"/>
             </a:xfrm>
             <a:prstGeom prst="ellipse">
@@ -8274,7 +8274,7 @@
           </p:nvSpPr>
           <p:spPr>
             <a:xfrm>
-              <a:off x="5471213" y="2932372"/>
+              <a:off x="5477419" y="2935571"/>
               <a:ext cx="57782" cy="57782"/>
             </a:xfrm>
             <a:prstGeom prst="ellipse">
@@ -8309,7 +8309,7 @@
           </p:nvSpPr>
           <p:spPr>
             <a:xfrm>
-              <a:off x="4763141" y="3732453"/>
+              <a:off x="4772370" y="3749006"/>
               <a:ext cx="57782" cy="57782"/>
             </a:xfrm>
             <a:prstGeom prst="ellipse">
@@ -8344,7 +8344,7 @@
           </p:nvSpPr>
           <p:spPr>
             <a:xfrm>
-              <a:off x="5565389" y="2932590"/>
+              <a:off x="5571616" y="2938237"/>
               <a:ext cx="57782" cy="57782"/>
             </a:xfrm>
             <a:prstGeom prst="ellipse">
@@ -8379,7 +8379,7 @@
           </p:nvSpPr>
           <p:spPr>
             <a:xfrm>
-              <a:off x="4676906" y="3894820"/>
+              <a:off x="4707942" y="3852921"/>
               <a:ext cx="57782" cy="57782"/>
             </a:xfrm>
             <a:prstGeom prst="ellipse">
@@ -8414,7 +8414,7 @@
           </p:nvSpPr>
           <p:spPr>
             <a:xfrm>
-              <a:off x="5468627" y="2865214"/>
+              <a:off x="5475397" y="2865591"/>
               <a:ext cx="57782" cy="57782"/>
             </a:xfrm>
             <a:prstGeom prst="ellipse">
@@ -8449,7 +8449,7 @@
           </p:nvSpPr>
           <p:spPr>
             <a:xfrm>
-              <a:off x="4003314" y="4425352"/>
+              <a:off x="4005268" y="4447356"/>
               <a:ext cx="57782" cy="57782"/>
             </a:xfrm>
             <a:prstGeom prst="ellipse">
@@ -8484,7 +8484,7 @@
           </p:nvSpPr>
           <p:spPr>
             <a:xfrm>
-              <a:off x="4265676" y="4782083"/>
+              <a:off x="4293629" y="4756194"/>
               <a:ext cx="57782" cy="57782"/>
             </a:xfrm>
             <a:prstGeom prst="ellipse">
@@ -8519,7 +8519,7 @@
           </p:nvSpPr>
           <p:spPr>
             <a:xfrm>
-              <a:off x="5056271" y="2896797"/>
+              <a:off x="5061296" y="2902435"/>
               <a:ext cx="57782" cy="57782"/>
             </a:xfrm>
             <a:prstGeom prst="ellipse">
@@ -8554,7 +8554,7 @@
           </p:nvSpPr>
           <p:spPr>
             <a:xfrm>
-              <a:off x="5215926" y="2842345"/>
+              <a:off x="5222088" y="2848766"/>
               <a:ext cx="57782" cy="57782"/>
             </a:xfrm>
             <a:prstGeom prst="ellipse">
@@ -8589,7 +8589,7 @@
           </p:nvSpPr>
           <p:spPr>
             <a:xfrm>
-              <a:off x="4262440" y="4339088"/>
+              <a:off x="4265413" y="4358141"/>
               <a:ext cx="57782" cy="57782"/>
             </a:xfrm>
             <a:prstGeom prst="ellipse">
@@ -8624,7 +8624,7 @@
           </p:nvSpPr>
           <p:spPr>
             <a:xfrm>
-              <a:off x="4247854" y="4502239"/>
+              <a:off x="4277857" y="4525457"/>
               <a:ext cx="57782" cy="57782"/>
             </a:xfrm>
             <a:prstGeom prst="ellipse">
@@ -8659,7 +8659,7 @@
           </p:nvSpPr>
           <p:spPr>
             <a:xfrm>
-              <a:off x="3608180" y="5037905"/>
+              <a:off x="3631894" y="5035718"/>
               <a:ext cx="57782" cy="57782"/>
             </a:xfrm>
             <a:prstGeom prst="ellipse">
@@ -8694,7 +8694,7 @@
           </p:nvSpPr>
           <p:spPr>
             <a:xfrm>
-              <a:off x="5445634" y="2961668"/>
+              <a:off x="5453924" y="2960787"/>
               <a:ext cx="57782" cy="57782"/>
             </a:xfrm>
             <a:prstGeom prst="ellipse">
@@ -8729,7 +8729,7 @@
           </p:nvSpPr>
           <p:spPr>
             <a:xfrm>
-              <a:off x="5385997" y="3279430"/>
+              <a:off x="5393627" y="3283575"/>
               <a:ext cx="57782" cy="57782"/>
             </a:xfrm>
             <a:prstGeom prst="ellipse">
@@ -8764,7 +8764,7 @@
           </p:nvSpPr>
           <p:spPr>
             <a:xfrm>
-              <a:off x="5536651" y="3130888"/>
+              <a:off x="5544092" y="3136224"/>
               <a:ext cx="57782" cy="57782"/>
             </a:xfrm>
             <a:prstGeom prst="ellipse">
@@ -8799,7 +8799,7 @@
           </p:nvSpPr>
           <p:spPr>
             <a:xfrm>
-              <a:off x="5223364" y="2859059"/>
+              <a:off x="5229199" y="2845013"/>
               <a:ext cx="57782" cy="57782"/>
             </a:xfrm>
             <a:prstGeom prst="ellipse">
@@ -8834,7 +8834,7 @@
           </p:nvSpPr>
           <p:spPr>
             <a:xfrm>
-              <a:off x="3371251" y="4743157"/>
+              <a:off x="3396761" y="4726846"/>
               <a:ext cx="57782" cy="57782"/>
             </a:xfrm>
             <a:prstGeom prst="ellipse">
@@ -8869,7 +8869,7 @@
           </p:nvSpPr>
           <p:spPr>
             <a:xfrm>
-              <a:off x="5204637" y="2986535"/>
+              <a:off x="5212088" y="2988471"/>
               <a:ext cx="57782" cy="57782"/>
             </a:xfrm>
             <a:prstGeom prst="ellipse">
@@ -8904,7 +8904,7 @@
           </p:nvSpPr>
           <p:spPr>
             <a:xfrm>
-              <a:off x="5425075" y="3120295"/>
+              <a:off x="5432412" y="3119627"/>
               <a:ext cx="57782" cy="57782"/>
             </a:xfrm>
             <a:prstGeom prst="ellipse">
@@ -8939,7 +8939,7 @@
           </p:nvSpPr>
           <p:spPr>
             <a:xfrm>
-              <a:off x="5531499" y="2956040"/>
+              <a:off x="5538150" y="2961923"/>
               <a:ext cx="57782" cy="57782"/>
             </a:xfrm>
             <a:prstGeom prst="ellipse">
@@ -8974,7 +8974,7 @@
           </p:nvSpPr>
           <p:spPr>
             <a:xfrm>
-              <a:off x="4956828" y="3149714"/>
+              <a:off x="4989899" y="3143012"/>
               <a:ext cx="57782" cy="57782"/>
             </a:xfrm>
             <a:prstGeom prst="ellipse">
@@ -9009,7 +9009,7 @@
           </p:nvSpPr>
           <p:spPr>
             <a:xfrm>
-              <a:off x="4692726" y="3739714"/>
+              <a:off x="4714915" y="3716018"/>
               <a:ext cx="57782" cy="57782"/>
             </a:xfrm>
             <a:prstGeom prst="ellipse">
@@ -9044,7 +9044,7 @@
           </p:nvSpPr>
           <p:spPr>
             <a:xfrm>
-              <a:off x="5210487" y="3062018"/>
+              <a:off x="5215369" y="3065570"/>
               <a:ext cx="57782" cy="57782"/>
             </a:xfrm>
             <a:prstGeom prst="ellipse">
@@ -9079,7 +9079,7 @@
           </p:nvSpPr>
           <p:spPr>
             <a:xfrm>
-              <a:off x="5379199" y="2955780"/>
+              <a:off x="5383541" y="2963327"/>
               <a:ext cx="57782" cy="57782"/>
             </a:xfrm>
             <a:prstGeom prst="ellipse">
@@ -9114,7 +9114,7 @@
           </p:nvSpPr>
           <p:spPr>
             <a:xfrm>
-              <a:off x="5252370" y="2795616"/>
+              <a:off x="5258436" y="2802276"/>
               <a:ext cx="57782" cy="57782"/>
             </a:xfrm>
             <a:prstGeom prst="ellipse">
@@ -9149,7 +9149,7 @@
           </p:nvSpPr>
           <p:spPr>
             <a:xfrm>
-              <a:off x="5333655" y="2717788"/>
+              <a:off x="5339186" y="2724688"/>
               <a:ext cx="57782" cy="57782"/>
             </a:xfrm>
             <a:prstGeom prst="ellipse">
@@ -9184,7 +9184,7 @@
           </p:nvSpPr>
           <p:spPr>
             <a:xfrm>
-              <a:off x="5475005" y="3037407"/>
+              <a:off x="5488722" y="3031034"/>
               <a:ext cx="57782" cy="57782"/>
             </a:xfrm>
             <a:prstGeom prst="ellipse">
@@ -9219,7 +9219,7 @@
           </p:nvSpPr>
           <p:spPr>
             <a:xfrm>
-              <a:off x="5281066" y="2765281"/>
+              <a:off x="5288171" y="2769818"/>
               <a:ext cx="57782" cy="57782"/>
             </a:xfrm>
             <a:prstGeom prst="ellipse">
@@ -9254,7 +9254,7 @@
           </p:nvSpPr>
           <p:spPr>
             <a:xfrm>
-              <a:off x="5180105" y="2781109"/>
+              <a:off x="5184247" y="2787858"/>
               <a:ext cx="57782" cy="57782"/>
             </a:xfrm>
             <a:prstGeom prst="ellipse">
@@ -9289,7 +9289,7 @@
           </p:nvSpPr>
           <p:spPr>
             <a:xfrm>
-              <a:off x="5367339" y="3198496"/>
+              <a:off x="5381380" y="3187587"/>
               <a:ext cx="57782" cy="57782"/>
             </a:xfrm>
             <a:prstGeom prst="ellipse">
@@ -9324,7 +9324,7 @@
           </p:nvSpPr>
           <p:spPr>
             <a:xfrm>
-              <a:off x="4680787" y="4214495"/>
+              <a:off x="4717477" y="4163891"/>
               <a:ext cx="57782" cy="57782"/>
             </a:xfrm>
             <a:prstGeom prst="ellipse">
@@ -9359,7 +9359,7 @@
           </p:nvSpPr>
           <p:spPr>
             <a:xfrm>
-              <a:off x="5068372" y="3221589"/>
+              <a:off x="5071874" y="3217959"/>
               <a:ext cx="57782" cy="57782"/>
             </a:xfrm>
             <a:prstGeom prst="ellipse">
@@ -9394,7 +9394,7 @@
           </p:nvSpPr>
           <p:spPr>
             <a:xfrm>
-              <a:off x="4317314" y="3962777"/>
+              <a:off x="4322406" y="3989540"/>
               <a:ext cx="57782" cy="57782"/>
             </a:xfrm>
             <a:prstGeom prst="ellipse">
@@ -9429,7 +9429,7 @@
           </p:nvSpPr>
           <p:spPr>
             <a:xfrm>
-              <a:off x="4469827" y="4157669"/>
+              <a:off x="4496955" y="4182368"/>
               <a:ext cx="57782" cy="57782"/>
             </a:xfrm>
             <a:prstGeom prst="ellipse">
@@ -9464,7 +9464,7 @@
           </p:nvSpPr>
           <p:spPr>
             <a:xfrm>
-              <a:off x="5508815" y="2874435"/>
+              <a:off x="5514299" y="2879501"/>
               <a:ext cx="57782" cy="57782"/>
             </a:xfrm>
             <a:prstGeom prst="ellipse">
@@ -9499,7 +9499,7 @@
           </p:nvSpPr>
           <p:spPr>
             <a:xfrm>
-              <a:off x="5313633" y="2682806"/>
+              <a:off x="5320119" y="2684248"/>
               <a:ext cx="57782" cy="57782"/>
             </a:xfrm>
             <a:prstGeom prst="ellipse">
@@ -9534,7 +9534,7 @@
           </p:nvSpPr>
           <p:spPr>
             <a:xfrm>
-              <a:off x="5209327" y="3126475"/>
+              <a:off x="5214411" y="3138824"/>
               <a:ext cx="57782" cy="57782"/>
             </a:xfrm>
             <a:prstGeom prst="ellipse">
@@ -9569,7 +9569,7 @@
           </p:nvSpPr>
           <p:spPr>
             <a:xfrm>
-              <a:off x="5447155" y="3189140"/>
+              <a:off x="5453346" y="3200331"/>
               <a:ext cx="57782" cy="57782"/>
             </a:xfrm>
             <a:prstGeom prst="ellipse">
@@ -9604,7 +9604,7 @@
           </p:nvSpPr>
           <p:spPr>
             <a:xfrm>
-              <a:off x="3877191" y="4491038"/>
+              <a:off x="3874278" y="4530150"/>
               <a:ext cx="57782" cy="57782"/>
             </a:xfrm>
             <a:prstGeom prst="ellipse">
@@ -9639,7 +9639,7 @@
           </p:nvSpPr>
           <p:spPr>
             <a:xfrm>
-              <a:off x="5401844" y="2984859"/>
+              <a:off x="5408305" y="2990772"/>
               <a:ext cx="57782" cy="57782"/>
             </a:xfrm>
             <a:prstGeom prst="ellipse">
@@ -9674,7 +9674,7 @@
           </p:nvSpPr>
           <p:spPr>
             <a:xfrm>
-              <a:off x="4749116" y="2451552"/>
+              <a:off x="4754787" y="2454912"/>
               <a:ext cx="57782" cy="57782"/>
             </a:xfrm>
             <a:prstGeom prst="ellipse">
@@ -9709,7 +9709,7 @@
           </p:nvSpPr>
           <p:spPr>
             <a:xfrm>
-              <a:off x="4546396" y="2716375"/>
+              <a:off x="4555608" y="2717617"/>
               <a:ext cx="57782" cy="57782"/>
             </a:xfrm>
             <a:prstGeom prst="ellipse">
@@ -9744,7 +9744,7 @@
           </p:nvSpPr>
           <p:spPr>
             <a:xfrm>
-              <a:off x="3405581" y="4240856"/>
+              <a:off x="3405105" y="4283866"/>
               <a:ext cx="57782" cy="57782"/>
             </a:xfrm>
             <a:prstGeom prst="ellipse">
@@ -9779,7 +9779,7 @@
           </p:nvSpPr>
           <p:spPr>
             <a:xfrm>
-              <a:off x="4691207" y="2672716"/>
+              <a:off x="4694407" y="2682511"/>
               <a:ext cx="57782" cy="57782"/>
             </a:xfrm>
             <a:prstGeom prst="ellipse">
@@ -9814,7 +9814,7 @@
           </p:nvSpPr>
           <p:spPr>
             <a:xfrm>
-              <a:off x="4649322" y="2599786"/>
+              <a:off x="4654211" y="2606567"/>
               <a:ext cx="57782" cy="57782"/>
             </a:xfrm>
             <a:prstGeom prst="ellipse">
@@ -9849,7 +9849,7 @@
           </p:nvSpPr>
           <p:spPr>
             <a:xfrm>
-              <a:off x="4829363" y="2741741"/>
+              <a:off x="4837613" y="2743994"/>
               <a:ext cx="57782" cy="57782"/>
             </a:xfrm>
             <a:prstGeom prst="ellipse">
@@ -9884,7 +9884,7 @@
           </p:nvSpPr>
           <p:spPr>
             <a:xfrm>
-              <a:off x="4710380" y="2570824"/>
+              <a:off x="4711496" y="2560031"/>
               <a:ext cx="57782" cy="57782"/>
             </a:xfrm>
             <a:prstGeom prst="ellipse">
@@ -9919,7 +9919,7 @@
           </p:nvSpPr>
           <p:spPr>
             <a:xfrm>
-              <a:off x="3173503" y="4038682"/>
+              <a:off x="3175772" y="4077921"/>
               <a:ext cx="57782" cy="57782"/>
             </a:xfrm>
             <a:prstGeom prst="ellipse">
@@ -9954,7 +9954,7 @@
           </p:nvSpPr>
           <p:spPr>
             <a:xfrm>
-              <a:off x="4902320" y="2738593"/>
+              <a:off x="4904965" y="2725060"/>
               <a:ext cx="57782" cy="57782"/>
             </a:xfrm>
             <a:prstGeom prst="ellipse">
@@ -9989,7 +9989,7 @@
           </p:nvSpPr>
           <p:spPr>
             <a:xfrm>
-              <a:off x="3938610" y="3368885"/>
+              <a:off x="3963839" y="3345253"/>
               <a:ext cx="57782" cy="57782"/>
             </a:xfrm>
             <a:prstGeom prst="ellipse">
@@ -10024,7 +10024,7 @@
           </p:nvSpPr>
           <p:spPr>
             <a:xfrm>
-              <a:off x="4389633" y="2585373"/>
+              <a:off x="4398841" y="2593075"/>
               <a:ext cx="57782" cy="57782"/>
             </a:xfrm>
             <a:prstGeom prst="ellipse">
@@ -10059,7 +10059,7 @@
           </p:nvSpPr>
           <p:spPr>
             <a:xfrm>
-              <a:off x="4515889" y="2426263"/>
+              <a:off x="4521182" y="2431423"/>
               <a:ext cx="57782" cy="57782"/>
             </a:xfrm>
             <a:prstGeom prst="ellipse">
@@ -10094,7 +10094,7 @@
           </p:nvSpPr>
           <p:spPr>
             <a:xfrm>
-              <a:off x="4872053" y="2707670"/>
+              <a:off x="4877908" y="2715296"/>
               <a:ext cx="57782" cy="57782"/>
             </a:xfrm>
             <a:prstGeom prst="ellipse">
@@ -10129,7 +10129,7 @@
           </p:nvSpPr>
           <p:spPr>
             <a:xfrm>
-              <a:off x="3513469" y="4671189"/>
+              <a:off x="3516672" y="4718379"/>
               <a:ext cx="57782" cy="57782"/>
             </a:xfrm>
             <a:prstGeom prst="ellipse">
@@ -10164,7 +10164,7 @@
           </p:nvSpPr>
           <p:spPr>
             <a:xfrm>
-              <a:off x="4268392" y="2771710"/>
+              <a:off x="4271813" y="2783951"/>
               <a:ext cx="57782" cy="57782"/>
             </a:xfrm>
             <a:prstGeom prst="ellipse">
@@ -10199,7 +10199,7 @@
           </p:nvSpPr>
           <p:spPr>
             <a:xfrm>
-              <a:off x="4415305" y="2597361"/>
+              <a:off x="4421748" y="2600648"/>
               <a:ext cx="57782" cy="57782"/>
             </a:xfrm>
             <a:prstGeom prst="ellipse">
@@ -10234,7 +10234,7 @@
           </p:nvSpPr>
           <p:spPr>
             <a:xfrm>
-              <a:off x="4084157" y="3336024"/>
+              <a:off x="4100588" y="3310831"/>
               <a:ext cx="57782" cy="57782"/>
             </a:xfrm>
             <a:prstGeom prst="ellipse">
@@ -10269,7 +10269,7 @@
           </p:nvSpPr>
           <p:spPr>
             <a:xfrm>
-              <a:off x="4140219" y="2731083"/>
+              <a:off x="4143286" y="2746606"/>
               <a:ext cx="57782" cy="57782"/>
             </a:xfrm>
             <a:prstGeom prst="ellipse">
@@ -10304,7 +10304,7 @@
           </p:nvSpPr>
           <p:spPr>
             <a:xfrm>
-              <a:off x="3844776" y="4050921"/>
+              <a:off x="3874093" y="4013876"/>
               <a:ext cx="57782" cy="57782"/>
             </a:xfrm>
             <a:prstGeom prst="ellipse">
@@ -10339,7 +10339,7 @@
           </p:nvSpPr>
           <p:spPr>
             <a:xfrm>
-              <a:off x="5041726" y="2671293"/>
+              <a:off x="5055817" y="2670844"/>
               <a:ext cx="57782" cy="57782"/>
             </a:xfrm>
             <a:prstGeom prst="ellipse">
@@ -10374,7 +10374,7 @@
           </p:nvSpPr>
           <p:spPr>
             <a:xfrm>
-              <a:off x="4910542" y="3077975"/>
+              <a:off x="4917547" y="3086082"/>
               <a:ext cx="57782" cy="57782"/>
             </a:xfrm>
             <a:prstGeom prst="ellipse">
@@ -10409,7 +10409,7 @@
           </p:nvSpPr>
           <p:spPr>
             <a:xfrm>
-              <a:off x="4623403" y="2596847"/>
+              <a:off x="4652912" y="2593218"/>
               <a:ext cx="57782" cy="57782"/>
             </a:xfrm>
             <a:prstGeom prst="ellipse">
@@ -10444,7 +10444,7 @@
           </p:nvSpPr>
           <p:spPr>
             <a:xfrm>
-              <a:off x="3591268" y="3604038"/>
+              <a:off x="3619750" y="3620831"/>
               <a:ext cx="57782" cy="57782"/>
             </a:xfrm>
             <a:prstGeom prst="ellipse">
@@ -10479,7 +10479,7 @@
           </p:nvSpPr>
           <p:spPr>
             <a:xfrm>
-              <a:off x="4676474" y="2775073"/>
+              <a:off x="4705403" y="2774459"/>
               <a:ext cx="57782" cy="57782"/>
             </a:xfrm>
             <a:prstGeom prst="ellipse">
@@ -10514,7 +10514,7 @@
           </p:nvSpPr>
           <p:spPr>
             <a:xfrm>
-              <a:off x="4901668" y="2659162"/>
+              <a:off x="4905161" y="2647980"/>
               <a:ext cx="57782" cy="57782"/>
             </a:xfrm>
             <a:prstGeom prst="ellipse">
@@ -10549,7 +10549,7 @@
           </p:nvSpPr>
           <p:spPr>
             <a:xfrm>
-              <a:off x="4318066" y="2518750"/>
+              <a:off x="4322428" y="2532062"/>
               <a:ext cx="57782" cy="57782"/>
             </a:xfrm>
             <a:prstGeom prst="ellipse">
@@ -10584,7 +10584,7 @@
           </p:nvSpPr>
           <p:spPr>
             <a:xfrm>
-              <a:off x="4748481" y="2885965"/>
+              <a:off x="4755294" y="2892667"/>
               <a:ext cx="57782" cy="57782"/>
             </a:xfrm>
             <a:prstGeom prst="ellipse">
@@ -10619,7 +10619,7 @@
           </p:nvSpPr>
           <p:spPr>
             <a:xfrm>
-              <a:off x="4336706" y="2597830"/>
+              <a:off x="4345892" y="2596804"/>
               <a:ext cx="57782" cy="57782"/>
             </a:xfrm>
             <a:prstGeom prst="ellipse">
@@ -10654,7 +10654,7 @@
           </p:nvSpPr>
           <p:spPr>
             <a:xfrm>
-              <a:off x="4613851" y="2621093"/>
+              <a:off x="4618512" y="2629170"/>
               <a:ext cx="57782" cy="57782"/>
             </a:xfrm>
             <a:prstGeom prst="ellipse">
@@ -10689,7 +10689,7 @@
           </p:nvSpPr>
           <p:spPr>
             <a:xfrm>
-              <a:off x="4865041" y="2599160"/>
+              <a:off x="4870727" y="2602590"/>
               <a:ext cx="57782" cy="57782"/>
             </a:xfrm>
             <a:prstGeom prst="ellipse">
@@ -10724,7 +10724,7 @@
           </p:nvSpPr>
           <p:spPr>
             <a:xfrm>
-              <a:off x="4503780" y="2518678"/>
+              <a:off x="4508786" y="2521658"/>
               <a:ext cx="57782" cy="57782"/>
             </a:xfrm>
             <a:prstGeom prst="ellipse">
@@ -10759,7 +10759,7 @@
           </p:nvSpPr>
           <p:spPr>
             <a:xfrm>
-              <a:off x="4306537" y="2663671"/>
+              <a:off x="4310903" y="2669970"/>
               <a:ext cx="57782" cy="57782"/>
             </a:xfrm>
             <a:prstGeom prst="ellipse">
@@ -10794,7 +10794,7 @@
           </p:nvSpPr>
           <p:spPr>
             <a:xfrm>
-              <a:off x="4849998" y="2938263"/>
+              <a:off x="4853867" y="2948176"/>
               <a:ext cx="57782" cy="57782"/>
             </a:xfrm>
             <a:prstGeom prst="ellipse">
@@ -10829,7 +10829,7 @@
           </p:nvSpPr>
           <p:spPr>
             <a:xfrm>
-              <a:off x="4750716" y="2474421"/>
+              <a:off x="4755183" y="2478208"/>
               <a:ext cx="57782" cy="57782"/>
             </a:xfrm>
             <a:prstGeom prst="ellipse">
@@ -10864,7 +10864,7 @@
           </p:nvSpPr>
           <p:spPr>
             <a:xfrm>
-              <a:off x="4066027" y="3272294"/>
+              <a:off x="4084038" y="3251922"/>
               <a:ext cx="57782" cy="57782"/>
             </a:xfrm>
             <a:prstGeom prst="ellipse">
@@ -10899,7 +10899,7 @@
           </p:nvSpPr>
           <p:spPr>
             <a:xfrm>
-              <a:off x="4592538" y="2721653"/>
+              <a:off x="4624823" y="2713591"/>
               <a:ext cx="57782" cy="57782"/>
             </a:xfrm>
             <a:prstGeom prst="ellipse">
@@ -10934,7 +10934,7 @@
           </p:nvSpPr>
           <p:spPr>
             <a:xfrm>
-              <a:off x="4491743" y="2661366"/>
+              <a:off x="4493204" y="2672158"/>
               <a:ext cx="57782" cy="57782"/>
             </a:xfrm>
             <a:prstGeom prst="ellipse">
@@ -10969,7 +10969,7 @@
           </p:nvSpPr>
           <p:spPr>
             <a:xfrm>
-              <a:off x="4039576" y="3538937"/>
+              <a:off x="4067539" y="3498863"/>
               <a:ext cx="57782" cy="57782"/>
             </a:xfrm>
             <a:prstGeom prst="ellipse">
@@ -11004,7 +11004,7 @@
           </p:nvSpPr>
           <p:spPr>
             <a:xfrm>
-              <a:off x="4592319" y="2668116"/>
+              <a:off x="4598400" y="2673896"/>
               <a:ext cx="57782" cy="57782"/>
             </a:xfrm>
             <a:prstGeom prst="ellipse">
@@ -11039,7 +11039,7 @@
           </p:nvSpPr>
           <p:spPr>
             <a:xfrm>
-              <a:off x="4778375" y="2647496"/>
+              <a:off x="4780726" y="2657423"/>
               <a:ext cx="57782" cy="57782"/>
             </a:xfrm>
             <a:prstGeom prst="ellipse">
@@ -11074,7 +11074,7 @@
           </p:nvSpPr>
           <p:spPr>
             <a:xfrm>
-              <a:off x="4569409" y="2391495"/>
+              <a:off x="4574607" y="2391572"/>
               <a:ext cx="57782" cy="57782"/>
             </a:xfrm>
             <a:prstGeom prst="ellipse">
@@ -11109,7 +11109,7 @@
           </p:nvSpPr>
           <p:spPr>
             <a:xfrm>
-              <a:off x="4290622" y="3150611"/>
+              <a:off x="4298461" y="3147533"/>
               <a:ext cx="57782" cy="57782"/>
             </a:xfrm>
             <a:prstGeom prst="ellipse">
@@ -11144,7 +11144,7 @@
           </p:nvSpPr>
           <p:spPr>
             <a:xfrm>
-              <a:off x="4800928" y="2623840"/>
+              <a:off x="4803433" y="2630293"/>
               <a:ext cx="57782" cy="57782"/>
             </a:xfrm>
             <a:prstGeom prst="ellipse">
@@ -11179,7 +11179,7 @@
           </p:nvSpPr>
           <p:spPr>
             <a:xfrm>
-              <a:off x="5004444" y="2552994"/>
+              <a:off x="5011210" y="2557503"/>
               <a:ext cx="57782" cy="57782"/>
             </a:xfrm>
             <a:prstGeom prst="ellipse">
@@ -11214,7 +11214,7 @@
           </p:nvSpPr>
           <p:spPr>
             <a:xfrm>
-              <a:off x="4418773" y="2420891"/>
+              <a:off x="4448712" y="2414669"/>
               <a:ext cx="57782" cy="57782"/>
             </a:xfrm>
             <a:prstGeom prst="ellipse">
@@ -11249,7 +11249,7 @@
           </p:nvSpPr>
           <p:spPr>
             <a:xfrm>
-              <a:off x="4801864" y="2696913"/>
+              <a:off x="4805961" y="2685836"/>
               <a:ext cx="57782" cy="57782"/>
             </a:xfrm>
             <a:prstGeom prst="ellipse">
@@ -11284,7 +11284,7 @@
           </p:nvSpPr>
           <p:spPr>
             <a:xfrm>
-              <a:off x="4901868" y="2704953"/>
+              <a:off x="4911342" y="2700245"/>
               <a:ext cx="57782" cy="57782"/>
             </a:xfrm>
             <a:prstGeom prst="ellipse">
@@ -11319,7 +11319,7 @@
           </p:nvSpPr>
           <p:spPr>
             <a:xfrm>
-              <a:off x="4717558" y="2633560"/>
+              <a:off x="4727198" y="2636820"/>
               <a:ext cx="57782" cy="57782"/>
             </a:xfrm>
             <a:prstGeom prst="ellipse">
@@ -11354,7 +11354,7 @@
           </p:nvSpPr>
           <p:spPr>
             <a:xfrm>
-              <a:off x="3499435" y="4392665"/>
+              <a:off x="3528661" y="4420002"/>
               <a:ext cx="57782" cy="57782"/>
             </a:xfrm>
             <a:prstGeom prst="ellipse">
@@ -11389,7 +11389,7 @@
           </p:nvSpPr>
           <p:spPr>
             <a:xfrm>
-              <a:off x="4719154" y="2692756"/>
+              <a:off x="4725837" y="2694854"/>
               <a:ext cx="57782" cy="57782"/>
             </a:xfrm>
             <a:prstGeom prst="ellipse">
@@ -11424,7 +11424,7 @@
           </p:nvSpPr>
           <p:spPr>
             <a:xfrm>
-              <a:off x="5005117" y="2706445"/>
+              <a:off x="5013181" y="2704913"/>
               <a:ext cx="57782" cy="57782"/>
             </a:xfrm>
             <a:prstGeom prst="ellipse">
@@ -11459,7 +11459,7 @@
           </p:nvSpPr>
           <p:spPr>
             <a:xfrm>
-              <a:off x="4868016" y="2613368"/>
+              <a:off x="4873023" y="2616811"/>
               <a:ext cx="57782" cy="57782"/>
             </a:xfrm>
             <a:prstGeom prst="ellipse">
@@ -11494,7 +11494,7 @@
           </p:nvSpPr>
           <p:spPr>
             <a:xfrm>
-              <a:off x="5044070" y="2939125"/>
+              <a:off x="5049425" y="2944988"/>
               <a:ext cx="57782" cy="57782"/>
             </a:xfrm>
             <a:prstGeom prst="ellipse">
@@ -11529,7 +11529,7 @@
           </p:nvSpPr>
           <p:spPr>
             <a:xfrm>
-              <a:off x="4605046" y="2689626"/>
+              <a:off x="4609812" y="2699074"/>
               <a:ext cx="57782" cy="57782"/>
             </a:xfrm>
             <a:prstGeom prst="ellipse">
@@ -11564,7 +11564,7 @@
           </p:nvSpPr>
           <p:spPr>
             <a:xfrm>
-              <a:off x="2717777" y="5495155"/>
+              <a:off x="2748732" y="5490873"/>
               <a:ext cx="57782" cy="57782"/>
             </a:xfrm>
             <a:prstGeom prst="ellipse">
@@ -11599,7 +11599,7 @@
           </p:nvSpPr>
           <p:spPr>
             <a:xfrm>
-              <a:off x="4778306" y="2819837"/>
+              <a:off x="4783636" y="2825641"/>
               <a:ext cx="57782" cy="57782"/>
             </a:xfrm>
             <a:prstGeom prst="ellipse">
@@ -11634,7 +11634,7 @@
           </p:nvSpPr>
           <p:spPr>
             <a:xfrm>
-              <a:off x="2793347" y="3085209"/>
+              <a:off x="2818433" y="3051169"/>
               <a:ext cx="57782" cy="57782"/>
             </a:xfrm>
             <a:prstGeom prst="ellipse">
@@ -11669,7 +11669,7 @@
           </p:nvSpPr>
           <p:spPr>
             <a:xfrm>
-              <a:off x="3415965" y="2240360"/>
+              <a:off x="3421032" y="2244584"/>
               <a:ext cx="57782" cy="57782"/>
             </a:xfrm>
             <a:prstGeom prst="ellipse">
@@ -11704,7 +11704,7 @@
           </p:nvSpPr>
           <p:spPr>
             <a:xfrm>
-              <a:off x="2110577" y="3545844"/>
+              <a:off x="2109191" y="3571316"/>
               <a:ext cx="57782" cy="57782"/>
             </a:xfrm>
             <a:prstGeom prst="ellipse">
@@ -11739,7 +11739,7 @@
           </p:nvSpPr>
           <p:spPr>
             <a:xfrm>
-              <a:off x="3368325" y="2027594"/>
+              <a:off x="3371035" y="2018640"/>
               <a:ext cx="57782" cy="57782"/>
             </a:xfrm>
             <a:prstGeom prst="ellipse">
@@ -11774,7 +11774,7 @@
           </p:nvSpPr>
           <p:spPr>
             <a:xfrm>
-              <a:off x="3447292" y="2275607"/>
+              <a:off x="3449178" y="2289358"/>
               <a:ext cx="57782" cy="57782"/>
             </a:xfrm>
             <a:prstGeom prst="ellipse">
@@ -11809,7 +11809,7 @@
           </p:nvSpPr>
           <p:spPr>
             <a:xfrm>
-              <a:off x="3654689" y="1935448"/>
+              <a:off x="3657613" y="1941721"/>
               <a:ext cx="57782" cy="57782"/>
             </a:xfrm>
             <a:prstGeom prst="ellipse">
@@ -11844,7 +11844,7 @@
           </p:nvSpPr>
           <p:spPr>
             <a:xfrm>
-              <a:off x="3718487" y="1992857"/>
+              <a:off x="3723049" y="1993408"/>
               <a:ext cx="57782" cy="57782"/>
             </a:xfrm>
             <a:prstGeom prst="ellipse">
@@ -11879,7 +11879,7 @@
           </p:nvSpPr>
           <p:spPr>
             <a:xfrm>
-              <a:off x="3774710" y="2037068"/>
+              <a:off x="3776997" y="2040914"/>
               <a:ext cx="57782" cy="57782"/>
             </a:xfrm>
             <a:prstGeom prst="ellipse">
@@ -11914,7 +11914,7 @@
           </p:nvSpPr>
           <p:spPr>
             <a:xfrm>
-              <a:off x="3437268" y="2179598"/>
+              <a:off x="3464261" y="2179345"/>
               <a:ext cx="57782" cy="57782"/>
             </a:xfrm>
             <a:prstGeom prst="ellipse">
@@ -11949,7 +11949,7 @@
           </p:nvSpPr>
           <p:spPr>
             <a:xfrm>
-              <a:off x="3455770" y="2285265"/>
+              <a:off x="3460055" y="2293211"/>
               <a:ext cx="57782" cy="57782"/>
             </a:xfrm>
             <a:prstGeom prst="ellipse">
@@ -11984,7 +11984,7 @@
           </p:nvSpPr>
           <p:spPr>
             <a:xfrm>
-              <a:off x="1601107" y="4027651"/>
+              <a:off x="1601107" y="4078059"/>
               <a:ext cx="57782" cy="57782"/>
             </a:xfrm>
             <a:prstGeom prst="ellipse">
@@ -12019,7 +12019,7 @@
           </p:nvSpPr>
           <p:spPr>
             <a:xfrm>
-              <a:off x="3843876" y="2169382"/>
+              <a:off x="3848138" y="2176565"/>
               <a:ext cx="57782" cy="57782"/>
             </a:xfrm>
             <a:prstGeom prst="ellipse">
@@ -12054,7 +12054,7 @@
           </p:nvSpPr>
           <p:spPr>
             <a:xfrm>
-              <a:off x="3834198" y="2023718"/>
+              <a:off x="3836146" y="2033172"/>
               <a:ext cx="57782" cy="57782"/>
             </a:xfrm>
             <a:prstGeom prst="ellipse">
@@ -12089,7 +12089,7 @@
           </p:nvSpPr>
           <p:spPr>
             <a:xfrm>
-              <a:off x="3571381" y="2027301"/>
+              <a:off x="3573205" y="2036033"/>
               <a:ext cx="57782" cy="57782"/>
             </a:xfrm>
             <a:prstGeom prst="ellipse">
@@ -12124,7 +12124,7 @@
           </p:nvSpPr>
           <p:spPr>
             <a:xfrm>
-              <a:off x="2580480" y="3062246"/>
+              <a:off x="2583209" y="3087718"/>
               <a:ext cx="57782" cy="57782"/>
             </a:xfrm>
             <a:prstGeom prst="ellipse">
@@ -12159,7 +12159,7 @@
           </p:nvSpPr>
           <p:spPr>
             <a:xfrm>
-              <a:off x="2759073" y="2604665"/>
+              <a:off x="2776445" y="2584784"/>
               <a:ext cx="57782" cy="57782"/>
             </a:xfrm>
             <a:prstGeom prst="ellipse">
@@ -12194,7 +12194,7 @@
           </p:nvSpPr>
           <p:spPr>
             <a:xfrm>
-              <a:off x="2134373" y="3672494"/>
+              <a:off x="2134989" y="3714214"/>
               <a:ext cx="57782" cy="57782"/>
             </a:xfrm>
             <a:prstGeom prst="ellipse">
@@ -12229,7 +12229,7 @@
           </p:nvSpPr>
           <p:spPr>
             <a:xfrm>
-              <a:off x="2749346" y="3165930"/>
+              <a:off x="2780704" y="3128406"/>
               <a:ext cx="57782" cy="57782"/>
             </a:xfrm>
             <a:prstGeom prst="ellipse">
@@ -12264,7 +12264,7 @@
           </p:nvSpPr>
           <p:spPr>
             <a:xfrm>
-              <a:off x="2875991" y="2738361"/>
+              <a:off x="2882375" y="2757776"/>
               <a:ext cx="57782" cy="57782"/>
             </a:xfrm>
             <a:prstGeom prst="ellipse">
@@ -12299,7 +12299,7 @@
           </p:nvSpPr>
           <p:spPr>
             <a:xfrm>
-              <a:off x="2641328" y="2845345"/>
+              <a:off x="2657928" y="2830178"/>
               <a:ext cx="57782" cy="57782"/>
             </a:xfrm>
             <a:prstGeom prst="ellipse">
@@ -12334,7 +12334,7 @@
           </p:nvSpPr>
           <p:spPr>
             <a:xfrm>
-              <a:off x="2774452" y="3066677"/>
+              <a:off x="2785726" y="3070116"/>
               <a:ext cx="57782" cy="57782"/>
             </a:xfrm>
             <a:prstGeom prst="ellipse">
@@ -12369,7 +12369,7 @@
           </p:nvSpPr>
           <p:spPr>
             <a:xfrm>
-              <a:off x="2832948" y="2771988"/>
+              <a:off x="2850923" y="2747795"/>
               <a:ext cx="57782" cy="57782"/>
             </a:xfrm>
             <a:prstGeom prst="ellipse">
@@ -12404,7 +12404,7 @@
           </p:nvSpPr>
           <p:spPr>
             <a:xfrm>
-              <a:off x="2992509" y="2838456"/>
+              <a:off x="3010033" y="2821723"/>
               <a:ext cx="57782" cy="57782"/>
             </a:xfrm>
             <a:prstGeom prst="ellipse">
@@ -12439,7 +12439,7 @@
           </p:nvSpPr>
           <p:spPr>
             <a:xfrm>
-              <a:off x="2406642" y="3282211"/>
+              <a:off x="2409588" y="3315724"/>
               <a:ext cx="57782" cy="57782"/>
             </a:xfrm>
             <a:prstGeom prst="ellipse">
@@ -12474,7 +12474,7 @@
           </p:nvSpPr>
           <p:spPr>
             <a:xfrm>
-              <a:off x="3644310" y="2109511"/>
+              <a:off x="3647921" y="2114635"/>
               <a:ext cx="57782" cy="57782"/>
             </a:xfrm>
             <a:prstGeom prst="ellipse">
@@ -12509,7 +12509,7 @@
           </p:nvSpPr>
           <p:spPr>
             <a:xfrm>
-              <a:off x="3490191" y="2065579"/>
+              <a:off x="3491303" y="2056696"/>
               <a:ext cx="57782" cy="57782"/>
             </a:xfrm>
             <a:prstGeom prst="ellipse">
@@ -12544,7 +12544,7 @@
           </p:nvSpPr>
           <p:spPr>
             <a:xfrm>
-              <a:off x="2319084" y="3745709"/>
+              <a:off x="2345871" y="3716424"/>
               <a:ext cx="57782" cy="57782"/>
             </a:xfrm>
             <a:prstGeom prst="ellipse">
@@ -12579,7 +12579,7 @@
           </p:nvSpPr>
           <p:spPr>
             <a:xfrm>
-              <a:off x="3466204" y="2090374"/>
+              <a:off x="3467877" y="2081550"/>
               <a:ext cx="57782" cy="57782"/>
             </a:xfrm>
             <a:prstGeom prst="ellipse">
@@ -12614,7 +12614,7 @@
           </p:nvSpPr>
           <p:spPr>
             <a:xfrm>
-              <a:off x="3682011" y="2069674"/>
+              <a:off x="3686929" y="2070212"/>
               <a:ext cx="57782" cy="57782"/>
             </a:xfrm>
             <a:prstGeom prst="ellipse">
@@ -12649,7 +12649,7 @@
           </p:nvSpPr>
           <p:spPr>
             <a:xfrm>
-              <a:off x="3567742" y="1979390"/>
+              <a:off x="3572378" y="1984012"/>
               <a:ext cx="57782" cy="57782"/>
             </a:xfrm>
             <a:prstGeom prst="ellipse">
@@ -12684,7 +12684,7 @@
           </p:nvSpPr>
           <p:spPr>
             <a:xfrm>
-              <a:off x="3368731" y="1977539"/>
+              <a:off x="3371557" y="1983891"/>
               <a:ext cx="57782" cy="57782"/>
             </a:xfrm>
             <a:prstGeom prst="ellipse">
@@ -12719,7 +12719,7 @@
           </p:nvSpPr>
           <p:spPr>
             <a:xfrm>
-              <a:off x="3636035" y="2014227"/>
+              <a:off x="3638950" y="2021499"/>
               <a:ext cx="57782" cy="57782"/>
             </a:xfrm>
             <a:prstGeom prst="ellipse">
@@ -12754,7 +12754,7 @@
           </p:nvSpPr>
           <p:spPr>
             <a:xfrm>
-              <a:off x="3754586" y="2209405"/>
+              <a:off x="3756056" y="2218749"/>
               <a:ext cx="57782" cy="57782"/>
             </a:xfrm>
             <a:prstGeom prst="ellipse">
@@ -12789,7 +12789,7 @@
           </p:nvSpPr>
           <p:spPr>
             <a:xfrm>
-              <a:off x="2521809" y="3544951"/>
+              <a:off x="2522720" y="3583398"/>
               <a:ext cx="57782" cy="57782"/>
             </a:xfrm>
             <a:prstGeom prst="ellipse">
@@ -12824,7 +12824,7 @@
           </p:nvSpPr>
           <p:spPr>
             <a:xfrm>
-              <a:off x="3638435" y="2188504"/>
+              <a:off x="3642394" y="2194124"/>
               <a:ext cx="57782" cy="57782"/>
             </a:xfrm>
             <a:prstGeom prst="ellipse">
@@ -12859,7 +12859,7 @@
           </p:nvSpPr>
           <p:spPr>
             <a:xfrm>
-              <a:off x="3269335" y="2214094"/>
+              <a:off x="3276448" y="2223556"/>
               <a:ext cx="57782" cy="57782"/>
             </a:xfrm>
             <a:prstGeom prst="ellipse">
@@ -12894,7 +12894,7 @@
           </p:nvSpPr>
           <p:spPr>
             <a:xfrm>
-              <a:off x="3519340" y="2258171"/>
+              <a:off x="3529819" y="2247516"/>
               <a:ext cx="57782" cy="57782"/>
             </a:xfrm>
             <a:prstGeom prst="ellipse">
@@ -12929,7 +12929,7 @@
           </p:nvSpPr>
           <p:spPr>
             <a:xfrm>
-              <a:off x="3860571" y="2022612"/>
+              <a:off x="3863072" y="2030231"/>
               <a:ext cx="57782" cy="57782"/>
             </a:xfrm>
             <a:prstGeom prst="ellipse">
@@ -12964,7 +12964,7 @@
           </p:nvSpPr>
           <p:spPr>
             <a:xfrm>
-              <a:off x="3453467" y="2268818"/>
+              <a:off x="3480276" y="2270090"/>
               <a:ext cx="57782" cy="57782"/>
             </a:xfrm>
             <a:prstGeom prst="ellipse">
@@ -12999,7 +12999,7 @@
           </p:nvSpPr>
           <p:spPr>
             <a:xfrm>
-              <a:off x="2037292" y="3548635"/>
+              <a:off x="2036774" y="3588571"/>
               <a:ext cx="57782" cy="57782"/>
             </a:xfrm>
             <a:prstGeom prst="ellipse">
@@ -13034,7 +13034,7 @@
           </p:nvSpPr>
           <p:spPr>
             <a:xfrm>
-              <a:off x="3766251" y="2058053"/>
+              <a:off x="3770924" y="2059922"/>
               <a:ext cx="57782" cy="57782"/>
             </a:xfrm>
             <a:prstGeom prst="ellipse">
@@ -13069,7 +13069,7 @@
           </p:nvSpPr>
           <p:spPr>
             <a:xfrm>
-              <a:off x="3336012" y="2124399"/>
+              <a:off x="3339859" y="2131808"/>
               <a:ext cx="57782" cy="57782"/>
             </a:xfrm>
             <a:prstGeom prst="ellipse">
@@ -13104,7 +13104,7 @@
           </p:nvSpPr>
           <p:spPr>
             <a:xfrm>
-              <a:off x="3617593" y="2097902"/>
+              <a:off x="3620780" y="2104707"/>
               <a:ext cx="57782" cy="57782"/>
             </a:xfrm>
             <a:prstGeom prst="ellipse">
@@ -13139,7 +13139,7 @@
           </p:nvSpPr>
           <p:spPr>
             <a:xfrm>
-              <a:off x="3387317" y="2073224"/>
+              <a:off x="3388250" y="2066025"/>
               <a:ext cx="57782" cy="57782"/>
             </a:xfrm>
             <a:prstGeom prst="ellipse">
@@ -13174,7 +13174,7 @@
           </p:nvSpPr>
           <p:spPr>
             <a:xfrm>
-              <a:off x="3591539" y="1922096"/>
+              <a:off x="3593516" y="1926601"/>
               <a:ext cx="57782" cy="57782"/>
             </a:xfrm>
             <a:prstGeom prst="ellipse">
@@ -13209,7 +13209,7 @@
           </p:nvSpPr>
           <p:spPr>
             <a:xfrm>
-              <a:off x="2786645" y="2729688"/>
+              <a:off x="2807013" y="2700982"/>
               <a:ext cx="57782" cy="57782"/>
             </a:xfrm>
             <a:prstGeom prst="ellipse">
@@ -13244,7 +13244,7 @@
           </p:nvSpPr>
           <p:spPr>
             <a:xfrm>
-              <a:off x="2734082" y="3078046"/>
+              <a:off x="2757975" y="3102106"/>
               <a:ext cx="57782" cy="57782"/>
             </a:xfrm>
             <a:prstGeom prst="ellipse">
@@ -13279,7 +13279,7 @@
           </p:nvSpPr>
           <p:spPr>
             <a:xfrm>
-              <a:off x="3575911" y="2007480"/>
+              <a:off x="3579491" y="2010352"/>
               <a:ext cx="57782" cy="57782"/>
             </a:xfrm>
             <a:prstGeom prst="ellipse">
@@ -13314,7 +13314,7 @@
           </p:nvSpPr>
           <p:spPr>
             <a:xfrm>
-              <a:off x="2900596" y="3099798"/>
+              <a:off x="2927376" y="3064863"/>
               <a:ext cx="57782" cy="57782"/>
             </a:xfrm>
             <a:prstGeom prst="ellipse">
@@ -13349,7 +13349,7 @@
           </p:nvSpPr>
           <p:spPr>
             <a:xfrm>
-              <a:off x="3598583" y="2061815"/>
+              <a:off x="3602601" y="2066027"/>
               <a:ext cx="57782" cy="57782"/>
             </a:xfrm>
             <a:prstGeom prst="ellipse">
@@ -13384,7 +13384,7 @@
           </p:nvSpPr>
           <p:spPr>
             <a:xfrm>
-              <a:off x="3377832" y="2159158"/>
+              <a:off x="3388431" y="2154587"/>
               <a:ext cx="57782" cy="57782"/>
             </a:xfrm>
             <a:prstGeom prst="ellipse">
@@ -13419,7 +13419,7 @@
           </p:nvSpPr>
           <p:spPr>
             <a:xfrm>
-              <a:off x="3446221" y="2080551"/>
+              <a:off x="3451566" y="2085647"/>
               <a:ext cx="57782" cy="57782"/>
             </a:xfrm>
             <a:prstGeom prst="ellipse">
@@ -13454,7 +13454,7 @@
           </p:nvSpPr>
           <p:spPr>
             <a:xfrm>
-              <a:off x="3899291" y="2119995"/>
+              <a:off x="3907274" y="2117189"/>
               <a:ext cx="57782" cy="57782"/>
             </a:xfrm>
             <a:prstGeom prst="ellipse">
@@ -13489,7 +13489,7 @@
           </p:nvSpPr>
           <p:spPr>
             <a:xfrm>
-              <a:off x="2525370" y="3477524"/>
+              <a:off x="2548047" y="3453181"/>
               <a:ext cx="57782" cy="57782"/>
             </a:xfrm>
             <a:prstGeom prst="ellipse">
@@ -13524,7 +13524,7 @@
           </p:nvSpPr>
           <p:spPr>
             <a:xfrm>
-              <a:off x="3024320" y="2861412"/>
+              <a:off x="3044834" y="2836921"/>
               <a:ext cx="57782" cy="57782"/>
             </a:xfrm>
             <a:prstGeom prst="ellipse">
@@ -13559,7 +13559,7 @@
           </p:nvSpPr>
           <p:spPr>
             <a:xfrm>
-              <a:off x="3446575" y="1951140"/>
+              <a:off x="3450351" y="1960393"/>
               <a:ext cx="57782" cy="57782"/>
             </a:xfrm>
             <a:prstGeom prst="ellipse">
@@ -13594,7 +13594,7 @@
           </p:nvSpPr>
           <p:spPr>
             <a:xfrm>
-              <a:off x="3877391" y="2140934"/>
+              <a:off x="3882170" y="2145795"/>
               <a:ext cx="57782" cy="57782"/>
             </a:xfrm>
             <a:prstGeom prst="ellipse">
@@ -13629,7 +13629,7 @@
           </p:nvSpPr>
           <p:spPr>
             <a:xfrm>
-              <a:off x="2369961" y="3549754"/>
+              <a:off x="2394652" y="3521460"/>
               <a:ext cx="57782" cy="57782"/>
             </a:xfrm>
             <a:prstGeom prst="ellipse">
@@ -13664,7 +13664,7 @@
           </p:nvSpPr>
           <p:spPr>
             <a:xfrm>
-              <a:off x="2479393" y="3299701"/>
+              <a:off x="2500390" y="3279761"/>
               <a:ext cx="57782" cy="57782"/>
             </a:xfrm>
             <a:prstGeom prst="ellipse">
@@ -13699,7 +13699,7 @@
           </p:nvSpPr>
           <p:spPr>
             <a:xfrm>
-              <a:off x="3488941" y="1998987"/>
+              <a:off x="3490378" y="1989720"/>
               <a:ext cx="57782" cy="57782"/>
             </a:xfrm>
             <a:prstGeom prst="ellipse">
@@ -13734,7 +13734,7 @@
           </p:nvSpPr>
           <p:spPr>
             <a:xfrm>
-              <a:off x="3227618" y="2314576"/>
+              <a:off x="3230270" y="2326898"/>
               <a:ext cx="57782" cy="57782"/>
             </a:xfrm>
             <a:prstGeom prst="ellipse">
@@ -13769,7 +13769,7 @@
           </p:nvSpPr>
           <p:spPr>
             <a:xfrm>
-              <a:off x="3595943" y="2040255"/>
+              <a:off x="3599433" y="2044360"/>
               <a:ext cx="57782" cy="57782"/>
             </a:xfrm>
             <a:prstGeom prst="ellipse">
@@ -13804,7 +13804,7 @@
           </p:nvSpPr>
           <p:spPr>
             <a:xfrm>
-              <a:off x="3542189" y="2171859"/>
+              <a:off x="3569950" y="2169872"/>
               <a:ext cx="57782" cy="57782"/>
             </a:xfrm>
             <a:prstGeom prst="ellipse">
@@ -13839,7 +13839,7 @@
           </p:nvSpPr>
           <p:spPr>
             <a:xfrm>
-              <a:off x="2638369" y="3106659"/>
+              <a:off x="2666525" y="3120759"/>
               <a:ext cx="57782" cy="57782"/>
             </a:xfrm>
             <a:prstGeom prst="ellipse">
@@ -13874,7 +13874,7 @@
           </p:nvSpPr>
           <p:spPr>
             <a:xfrm>
-              <a:off x="2527722" y="3433755"/>
+              <a:off x="2553419" y="3458438"/>
               <a:ext cx="57782" cy="57782"/>
             </a:xfrm>
             <a:prstGeom prst="ellipse">
@@ -13909,7 +13909,7 @@
           </p:nvSpPr>
           <p:spPr>
             <a:xfrm>
-              <a:off x="2288667" y="3272649"/>
+              <a:off x="2313146" y="3297678"/>
               <a:ext cx="57782" cy="57782"/>
             </a:xfrm>
             <a:prstGeom prst="ellipse">
@@ -13944,7 +13944,7 @@
           </p:nvSpPr>
           <p:spPr>
             <a:xfrm>
-              <a:off x="3321314" y="2009040"/>
+              <a:off x="3324850" y="2019566"/>
               <a:ext cx="57782" cy="57782"/>
             </a:xfrm>
             <a:prstGeom prst="ellipse">
@@ -13979,7 +13979,7 @@
           </p:nvSpPr>
           <p:spPr>
             <a:xfrm>
-              <a:off x="3358605" y="2048785"/>
+              <a:off x="3360121" y="2056435"/>
               <a:ext cx="57782" cy="57782"/>
             </a:xfrm>
             <a:prstGeom prst="ellipse">
@@ -14014,7 +14014,7 @@
           </p:nvSpPr>
           <p:spPr>
             <a:xfrm>
-              <a:off x="2965280" y="2562042"/>
+              <a:off x="2971304" y="2577085"/>
               <a:ext cx="57782" cy="57782"/>
             </a:xfrm>
             <a:prstGeom prst="ellipse">
@@ -14049,7 +14049,7 @@
           </p:nvSpPr>
           <p:spPr>
             <a:xfrm>
-              <a:off x="2804083" y="3074455"/>
+              <a:off x="2828998" y="3093903"/>
               <a:ext cx="57782" cy="57782"/>
             </a:xfrm>
             <a:prstGeom prst="ellipse">
@@ -14084,7 +14084,7 @@
           </p:nvSpPr>
           <p:spPr>
             <a:xfrm>
-              <a:off x="3278937" y="2107692"/>
+              <a:off x="3279280" y="2120325"/>
               <a:ext cx="57782" cy="57782"/>
             </a:xfrm>
             <a:prstGeom prst="ellipse">
@@ -14119,7 +14119,7 @@
           </p:nvSpPr>
           <p:spPr>
             <a:xfrm>
-              <a:off x="3657602" y="2210200"/>
+              <a:off x="3661491" y="2214572"/>
               <a:ext cx="57782" cy="57782"/>
             </a:xfrm>
             <a:prstGeom prst="ellipse">
@@ -14154,7 +14154,7 @@
           </p:nvSpPr>
           <p:spPr>
             <a:xfrm>
-              <a:off x="3663587" y="2322430"/>
+              <a:off x="3672966" y="2317837"/>
               <a:ext cx="57782" cy="57782"/>
             </a:xfrm>
             <a:prstGeom prst="ellipse">
@@ -14189,7 +14189,7 @@
           </p:nvSpPr>
           <p:spPr>
             <a:xfrm>
-              <a:off x="3561173" y="2130590"/>
+              <a:off x="3561968" y="2122043"/>
               <a:ext cx="57782" cy="57782"/>
             </a:xfrm>
             <a:prstGeom prst="ellipse">
@@ -14224,7 +14224,7 @@
           </p:nvSpPr>
           <p:spPr>
             <a:xfrm>
-              <a:off x="3714189" y="2161970"/>
+              <a:off x="3720599" y="2163040"/>
               <a:ext cx="57782" cy="57782"/>
             </a:xfrm>
             <a:prstGeom prst="ellipse">
@@ -14259,7 +14259,7 @@
           </p:nvSpPr>
           <p:spPr>
             <a:xfrm>
-              <a:off x="3890459" y="2123300"/>
+              <a:off x="3895306" y="2126810"/>
               <a:ext cx="57782" cy="57782"/>
             </a:xfrm>
             <a:prstGeom prst="ellipse">
@@ -14294,7 +14294,7 @@
           </p:nvSpPr>
           <p:spPr>
             <a:xfrm>
-              <a:off x="2983619" y="3062973"/>
+              <a:off x="3007311" y="3030545"/>
               <a:ext cx="57782" cy="57782"/>
             </a:xfrm>
             <a:prstGeom prst="ellipse">
@@ -14329,7 +14329,7 @@
           </p:nvSpPr>
           <p:spPr>
             <a:xfrm>
-              <a:off x="2297996" y="3436099"/>
+              <a:off x="2322359" y="3463081"/>
               <a:ext cx="57782" cy="57782"/>
             </a:xfrm>
             <a:prstGeom prst="ellipse">
@@ -14364,7 +14364,7 @@
           </p:nvSpPr>
           <p:spPr>
             <a:xfrm>
-              <a:off x="3811205" y="2145118"/>
+              <a:off x="3815641" y="2145771"/>
               <a:ext cx="57782" cy="57782"/>
             </a:xfrm>
             <a:prstGeom prst="ellipse">
@@ -14399,7 +14399,7 @@
           </p:nvSpPr>
           <p:spPr>
             <a:xfrm>
-              <a:off x="3218848" y="2504923"/>
+              <a:off x="3223901" y="2510832"/>
               <a:ext cx="57782" cy="57782"/>
             </a:xfrm>
             <a:prstGeom prst="ellipse">
@@ -14434,7 +14434,7 @@
           </p:nvSpPr>
           <p:spPr>
             <a:xfrm>
-              <a:off x="3706801" y="2041877"/>
+              <a:off x="3709984" y="2050135"/>
               <a:ext cx="57782" cy="57782"/>
             </a:xfrm>
             <a:prstGeom prst="ellipse">
@@ -14469,7 +14469,7 @@
           </p:nvSpPr>
           <p:spPr>
             <a:xfrm>
-              <a:off x="3699220" y="2036496"/>
+              <a:off x="3703908" y="2041830"/>
               <a:ext cx="57782" cy="57782"/>
             </a:xfrm>
             <a:prstGeom prst="ellipse">
@@ -14504,7 +14504,7 @@
           </p:nvSpPr>
           <p:spPr>
             <a:xfrm>
-              <a:off x="3574868" y="2090828"/>
+              <a:off x="3580272" y="2094208"/>
               <a:ext cx="57782" cy="57782"/>
             </a:xfrm>
             <a:prstGeom prst="ellipse">
@@ -14539,7 +14539,7 @@
           </p:nvSpPr>
           <p:spPr>
             <a:xfrm>
-              <a:off x="2709264" y="2889646"/>
+              <a:off x="2710575" y="2913598"/>
               <a:ext cx="57782" cy="57782"/>
             </a:xfrm>
             <a:prstGeom prst="ellipse">
@@ -14574,7 +14574,7 @@
           </p:nvSpPr>
           <p:spPr>
             <a:xfrm>
-              <a:off x="2615685" y="2791975"/>
+              <a:off x="2615561" y="2819668"/>
               <a:ext cx="57782" cy="57782"/>
             </a:xfrm>
             <a:prstGeom prst="ellipse">
@@ -14609,7 +14609,7 @@
           </p:nvSpPr>
           <p:spPr>
             <a:xfrm>
-              <a:off x="3514240" y="1952979"/>
+              <a:off x="3518538" y="1964105"/>
               <a:ext cx="57782" cy="57782"/>
             </a:xfrm>
             <a:prstGeom prst="ellipse">
@@ -14644,7 +14644,7 @@
           </p:nvSpPr>
           <p:spPr>
             <a:xfrm>
-              <a:off x="2600859" y="2939663"/>
+              <a:off x="2602027" y="2965936"/>
               <a:ext cx="57782" cy="57782"/>
             </a:xfrm>
             <a:prstGeom prst="ellipse">
@@ -14679,7 +14679,7 @@
           </p:nvSpPr>
           <p:spPr>
             <a:xfrm>
-              <a:off x="3347312" y="2020445"/>
+              <a:off x="3348515" y="2013304"/>
               <a:ext cx="57782" cy="57782"/>
             </a:xfrm>
             <a:prstGeom prst="ellipse">
@@ -14714,7 +14714,7 @@
           </p:nvSpPr>
           <p:spPr>
             <a:xfrm>
-              <a:off x="3482217" y="2157666"/>
+              <a:off x="3482676" y="2172239"/>
               <a:ext cx="57782" cy="57782"/>
             </a:xfrm>
             <a:prstGeom prst="ellipse">
@@ -14749,7 +14749,7 @@
           </p:nvSpPr>
           <p:spPr>
             <a:xfrm>
-              <a:off x="3563148" y="2100757"/>
+              <a:off x="3565591" y="2110345"/>
               <a:ext cx="57782" cy="57782"/>
             </a:xfrm>
             <a:prstGeom prst="ellipse">
@@ -14784,7 +14784,7 @@
           </p:nvSpPr>
           <p:spPr>
             <a:xfrm>
-              <a:off x="2021216" y="4037132"/>
+              <a:off x="2028463" y="4064914"/>
               <a:ext cx="57782" cy="57782"/>
             </a:xfrm>
             <a:prstGeom prst="ellipse">
@@ -14819,7 +14819,7 @@
           </p:nvSpPr>
           <p:spPr>
             <a:xfrm>
-              <a:off x="2801003" y="3146803"/>
+              <a:off x="2811101" y="3169784"/>
               <a:ext cx="57782" cy="57782"/>
             </a:xfrm>
             <a:prstGeom prst="ellipse">
@@ -14854,7 +14854,7 @@
           </p:nvSpPr>
           <p:spPr>
             <a:xfrm>
-              <a:off x="3497562" y="2009219"/>
+              <a:off x="3500037" y="2016021"/>
               <a:ext cx="57782" cy="57782"/>
             </a:xfrm>
             <a:prstGeom prst="ellipse">
@@ -14889,7 +14889,7 @@
           </p:nvSpPr>
           <p:spPr>
             <a:xfrm>
-              <a:off x="3402651" y="2109430"/>
+              <a:off x="3404688" y="2101661"/>
               <a:ext cx="57782" cy="57782"/>
             </a:xfrm>
             <a:prstGeom prst="ellipse">
@@ -14924,7 +14924,7 @@
           </p:nvSpPr>
           <p:spPr>
             <a:xfrm>
-              <a:off x="2988338" y="2501480"/>
+              <a:off x="3014852" y="2509890"/>
               <a:ext cx="57782" cy="57782"/>
             </a:xfrm>
             <a:prstGeom prst="ellipse">
@@ -14959,7 +14959,7 @@
           </p:nvSpPr>
           <p:spPr>
             <a:xfrm>
-              <a:off x="3634405" y="2075821"/>
+              <a:off x="3639223" y="2085968"/>
               <a:ext cx="57782" cy="57782"/>
             </a:xfrm>
             <a:prstGeom prst="ellipse">
@@ -14994,7 +14994,7 @@
           </p:nvSpPr>
           <p:spPr>
             <a:xfrm>
-              <a:off x="3364430" y="2054819"/>
+              <a:off x="3368803" y="2059493"/>
               <a:ext cx="57782" cy="57782"/>
             </a:xfrm>
             <a:prstGeom prst="ellipse">
@@ -15029,7 +15029,7 @@
           </p:nvSpPr>
           <p:spPr>
             <a:xfrm>
-              <a:off x="3471107" y="2293579"/>
+              <a:off x="3473897" y="2304829"/>
               <a:ext cx="57782" cy="57782"/>
             </a:xfrm>
             <a:prstGeom prst="ellipse">
@@ -15064,7 +15064,7 @@
           </p:nvSpPr>
           <p:spPr>
             <a:xfrm>
-              <a:off x="2941361" y="2968737"/>
+              <a:off x="2943057" y="2990660"/>
               <a:ext cx="57782" cy="57782"/>
             </a:xfrm>
             <a:prstGeom prst="ellipse">
@@ -15099,7 +15099,7 @@
           </p:nvSpPr>
           <p:spPr>
             <a:xfrm>
-              <a:off x="4499983" y="983989"/>
+              <a:off x="4509592" y="983989"/>
               <a:ext cx="0" cy="4990997"/>
             </a:xfrm>
             <a:custGeom>
@@ -15142,7 +15142,7 @@
           </p:nvSpPr>
           <p:spPr>
             <a:xfrm>
-              <a:off x="1406131" y="3032484"/>
+              <a:off x="1406131" y="3035656"/>
               <a:ext cx="4925079" cy="0"/>
             </a:xfrm>
             <a:custGeom>
@@ -15185,165 +15185,165 @@
           </p:nvSpPr>
           <p:spPr>
             <a:xfrm>
-              <a:off x="3778539" y="1891186"/>
-              <a:ext cx="1682639" cy="1807367"/>
+              <a:off x="3797817" y="1898976"/>
+              <a:ext cx="1662517" cy="1793954"/>
             </a:xfrm>
             <a:custGeom>
               <a:avLst/>
               <a:pathLst>
-                <a:path w="1682639" h="1807367">
+                <a:path w="1662517" h="1793954">
                   <a:moveTo>
-                    <a:pt x="1682639" y="260994"/>
+                    <a:pt x="1662517" y="260678"/>
                   </a:moveTo>
                   <a:lnTo>
-                    <a:pt x="1676256" y="187673"/>
+                    <a:pt x="1656210" y="187673"/>
                   </a:lnTo>
                   <a:lnTo>
-                    <a:pt x="1657204" y="125201"/>
+                    <a:pt x="1637386" y="125415"/>
                   </a:lnTo>
                   <a:lnTo>
-                    <a:pt x="1625772" y="74526"/>
+                    <a:pt x="1606330" y="74847"/>
                   </a:lnTo>
                   <a:lnTo>
-                    <a:pt x="1582437" y="36415"/>
+                    <a:pt x="1563513" y="36736"/>
                   </a:lnTo>
                   <a:lnTo>
-                    <a:pt x="1527855" y="11447"/>
+                    <a:pt x="1509584" y="11661"/>
                   </a:lnTo>
                   <a:lnTo>
-                    <a:pt x="1462853" y="0"/>
+                    <a:pt x="1445360" y="0"/>
                   </a:lnTo>
                   <a:lnTo>
-                    <a:pt x="1388418" y="2247"/>
+                    <a:pt x="1371814" y="1930"/>
                   </a:lnTo>
                   <a:lnTo>
-                    <a:pt x="1305677" y="18154"/>
+                    <a:pt x="1290063" y="17423"/>
                   </a:lnTo>
                   <a:lnTo>
-                    <a:pt x="1215885" y="47481"/>
+                    <a:pt x="1201344" y="46244"/>
                   </a:lnTo>
                   <a:lnTo>
-                    <a:pt x="1120402" y="89782"/>
+                    <a:pt x="1107004" y="87955"/>
                   </a:lnTo>
                   <a:lnTo>
-                    <a:pt x="1020677" y="144417"/>
+                    <a:pt x="1008471" y="141925"/>
                   </a:lnTo>
                   <a:lnTo>
-                    <a:pt x="918221" y="210557"/>
+                    <a:pt x="907241" y="207335"/>
                   </a:lnTo>
                   <a:lnTo>
-                    <a:pt x="814587" y="287200"/>
+                    <a:pt x="804846" y="283193"/>
                   </a:lnTo>
                   <a:lnTo>
-                    <a:pt x="711347" y="373183"/>
+                    <a:pt x="702840" y="368351"/>
                   </a:lnTo>
                   <a:lnTo>
-                    <a:pt x="610064" y="467204"/>
+                    <a:pt x="602768" y="461516"/>
                   </a:lnTo>
                   <a:lnTo>
-                    <a:pt x="512275" y="567837"/>
+                    <a:pt x="506149" y="561276"/>
                   </a:lnTo>
                   <a:lnTo>
-                    <a:pt x="419461" y="673556"/>
+                    <a:pt x="414445" y="666120"/>
                   </a:lnTo>
                   <a:lnTo>
-                    <a:pt x="333031" y="782760"/>
+                    <a:pt x="329048" y="774458"/>
                   </a:lnTo>
                   <a:lnTo>
-                    <a:pt x="254293" y="893792"/>
+                    <a:pt x="251252" y="884648"/>
                   </a:lnTo>
                   <a:lnTo>
-                    <a:pt x="184443" y="1004969"/>
+                    <a:pt x="182237" y="995019"/>
                   </a:lnTo>
                   <a:lnTo>
-                    <a:pt x="124537" y="1114607"/>
+                    <a:pt x="123048" y="1103898"/>
                   </a:lnTo>
                   <a:lnTo>
-                    <a:pt x="75485" y="1221043"/>
+                    <a:pt x="74583" y="1209635"/>
                   </a:lnTo>
                   <a:lnTo>
-                    <a:pt x="38031" y="1322663"/>
+                    <a:pt x="37576" y="1310627"/>
                   </a:lnTo>
                   <a:lnTo>
-                    <a:pt x="12741" y="1417928"/>
+                    <a:pt x="12589" y="1405343"/>
                   </a:lnTo>
                   <a:lnTo>
-                    <a:pt x="0" y="1505393"/>
+                    <a:pt x="0" y="1492346"/>
                   </a:lnTo>
                   <a:lnTo>
-                    <a:pt x="0" y="1583732"/>
+                    <a:pt x="0" y="1570319"/>
                   </a:lnTo>
                   <a:lnTo>
-                    <a:pt x="12741" y="1651757"/>
+                    <a:pt x="12589" y="1638079"/>
                   </a:lnTo>
                   <a:lnTo>
-                    <a:pt x="38031" y="1708439"/>
+                    <a:pt x="37576" y="1694600"/>
                   </a:lnTo>
                   <a:lnTo>
-                    <a:pt x="75485" y="1752916"/>
+                    <a:pt x="74583" y="1739023"/>
                   </a:lnTo>
                   <a:lnTo>
-                    <a:pt x="124537" y="1784515"/>
+                    <a:pt x="123048" y="1770677"/>
                   </a:lnTo>
                   <a:lnTo>
-                    <a:pt x="184443" y="1802758"/>
+                    <a:pt x="182237" y="1789080"/>
                   </a:lnTo>
                   <a:lnTo>
-                    <a:pt x="254293" y="1807367"/>
+                    <a:pt x="251252" y="1793954"/>
                   </a:lnTo>
                   <a:lnTo>
-                    <a:pt x="333031" y="1798272"/>
+                    <a:pt x="329048" y="1785226"/>
                   </a:lnTo>
                   <a:lnTo>
-                    <a:pt x="419461" y="1775612"/>
+                    <a:pt x="414445" y="1763027"/>
                   </a:lnTo>
                   <a:lnTo>
-                    <a:pt x="512275" y="1739730"/>
+                    <a:pt x="506149" y="1727694"/>
                   </a:lnTo>
                   <a:lnTo>
-                    <a:pt x="610064" y="1691170"/>
+                    <a:pt x="602768" y="1679763"/>
                   </a:lnTo>
                   <a:lnTo>
-                    <a:pt x="711347" y="1630667"/>
+                    <a:pt x="702840" y="1619960"/>
                   </a:lnTo>
                   <a:lnTo>
-                    <a:pt x="814587" y="1559140"/>
+                    <a:pt x="804846" y="1549191"/>
                   </a:lnTo>
                   <a:lnTo>
-                    <a:pt x="918221" y="1477673"/>
+                    <a:pt x="907241" y="1468530"/>
                   </a:lnTo>
                   <a:lnTo>
-                    <a:pt x="1020677" y="1387500"/>
+                    <a:pt x="1008471" y="1379199"/>
                   </a:lnTo>
                   <a:lnTo>
-                    <a:pt x="1120402" y="1289988"/>
+                    <a:pt x="1107004" y="1282553"/>
                   </a:lnTo>
                   <a:lnTo>
-                    <a:pt x="1215885" y="1186616"/>
+                    <a:pt x="1201344" y="1180056"/>
                   </a:lnTo>
                   <a:lnTo>
-                    <a:pt x="1305677" y="1078950"/>
+                    <a:pt x="1290063" y="1073263"/>
                   </a:lnTo>
                   <a:lnTo>
-                    <a:pt x="1388418" y="968623"/>
+                    <a:pt x="1371814" y="963791"/>
                   </a:lnTo>
                   <a:lnTo>
-                    <a:pt x="1462853" y="857307"/>
+                    <a:pt x="1445360" y="853301"/>
                   </a:lnTo>
                   <a:lnTo>
-                    <a:pt x="1527855" y="746690"/>
+                    <a:pt x="1509584" y="743468"/>
                   </a:lnTo>
                   <a:lnTo>
-                    <a:pt x="1582437" y="638447"/>
+                    <a:pt x="1563513" y="635956"/>
                   </a:lnTo>
                   <a:lnTo>
-                    <a:pt x="1625772" y="534222"/>
+                    <a:pt x="1606330" y="532395"/>
                   </a:lnTo>
                   <a:lnTo>
-                    <a:pt x="1657204" y="435592"/>
+                    <a:pt x="1637386" y="434356"/>
                   </a:lnTo>
                   <a:lnTo>
-                    <a:pt x="1676256" y="344054"/>
+                    <a:pt x="1656210" y="343323"/>
                   </a:lnTo>
                   <a:close/>
                 </a:path>
@@ -15378,165 +15378,165 @@
           </p:nvSpPr>
           <p:spPr>
             <a:xfrm>
-              <a:off x="2162920" y="1210852"/>
-              <a:ext cx="2268548" cy="2465567"/>
+              <a:off x="2179587" y="1210852"/>
+              <a:ext cx="2249954" cy="2476827"/>
             </a:xfrm>
             <a:custGeom>
               <a:avLst/>
               <a:pathLst>
-                <a:path w="2268548" h="2465567">
+                <a:path w="2249954" h="2476827">
                   <a:moveTo>
-                    <a:pt x="2268548" y="82505"/>
+                    <a:pt x="2249954" y="83380"/>
                   </a:moveTo>
                   <a:lnTo>
-                    <a:pt x="2259942" y="36716"/>
+                    <a:pt x="2241419" y="37219"/>
                   </a:lnTo>
                   <a:lnTo>
-                    <a:pt x="2234257" y="9074"/>
+                    <a:pt x="2215944" y="9284"/>
                   </a:lnTo>
                   <a:lnTo>
-                    <a:pt x="2191880" y="0"/>
+                    <a:pt x="2173915" y="0"/>
                   </a:lnTo>
                   <a:lnTo>
-                    <a:pt x="2133455" y="9629"/>
+                    <a:pt x="2115968" y="9505"/>
                   </a:lnTo>
                   <a:lnTo>
-                    <a:pt x="2059867" y="37817"/>
+                    <a:pt x="2042983" y="37657"/>
                   </a:lnTo>
                   <a:lnTo>
-                    <a:pt x="1972231" y="84137"/>
+                    <a:pt x="1956066" y="84029"/>
                   </a:lnTo>
                   <a:lnTo>
-                    <a:pt x="1871877" y="147885"/>
+                    <a:pt x="1856534" y="147918"/>
                   </a:lnTo>
                   <a:lnTo>
-                    <a:pt x="1760325" y="228096"/>
+                    <a:pt x="1745897" y="228354"/>
                   </a:lnTo>
                   <a:lnTo>
-                    <a:pt x="1639266" y="323554"/>
+                    <a:pt x="1625830" y="324120"/>
                   </a:lnTo>
                   <a:lnTo>
-                    <a:pt x="1510536" y="432811"/>
+                    <a:pt x="1498155" y="433762"/>
                   </a:lnTo>
                   <a:lnTo>
-                    <a:pt x="1376086" y="554212"/>
+                    <a:pt x="1364807" y="555620"/>
                   </a:lnTo>
                   <a:lnTo>
-                    <a:pt x="1237954" y="685916"/>
+                    <a:pt x="1227807" y="687846"/>
                   </a:lnTo>
                   <a:lnTo>
-                    <a:pt x="1098234" y="825927"/>
+                    <a:pt x="1089232" y="828435"/>
                   </a:lnTo>
                   <a:lnTo>
-                    <a:pt x="959044" y="972121"/>
+                    <a:pt x="951183" y="975256"/>
                   </a:lnTo>
                   <a:lnTo>
-                    <a:pt x="822493" y="1122284"/>
+                    <a:pt x="815752" y="1126084"/>
                   </a:lnTo>
                   <a:lnTo>
-                    <a:pt x="690653" y="1274139"/>
+                    <a:pt x="684992" y="1278632"/>
                   </a:lnTo>
                   <a:lnTo>
-                    <a:pt x="565522" y="1425383"/>
+                    <a:pt x="560886" y="1430588"/>
                   </a:lnTo>
                   <a:lnTo>
-                    <a:pt x="448995" y="1573725"/>
+                    <a:pt x="445315" y="1579648"/>
                   </a:lnTo>
                   <a:lnTo>
-                    <a:pt x="342841" y="1716914"/>
+                    <a:pt x="340031" y="1723552"/>
                   </a:lnTo>
                   <a:lnTo>
-                    <a:pt x="248667" y="1852782"/>
+                    <a:pt x="246629" y="1860120"/>
                   </a:lnTo>
                   <a:lnTo>
-                    <a:pt x="167902" y="1979268"/>
+                    <a:pt x="166526" y="1987281"/>
                   </a:lnTo>
                   <a:lnTo>
-                    <a:pt x="101770" y="2094454"/>
+                    <a:pt x="100936" y="2103107"/>
                   </a:lnTo>
                   <a:lnTo>
-                    <a:pt x="51273" y="2196595"/>
+                    <a:pt x="50853" y="2205843"/>
                   </a:lnTo>
                   <a:lnTo>
-                    <a:pt x="17178" y="2284143"/>
+                    <a:pt x="17037" y="2293930"/>
                   </a:lnTo>
                   <a:lnTo>
-                    <a:pt x="0" y="2355769"/>
+                    <a:pt x="0" y="2366035"/>
                   </a:lnTo>
                   <a:lnTo>
-                    <a:pt x="0" y="2410389"/>
+                    <a:pt x="0" y="2421064"/>
                   </a:lnTo>
                   <a:lnTo>
-                    <a:pt x="17178" y="2447174"/>
+                    <a:pt x="17037" y="2458182"/>
                   </a:lnTo>
                   <a:lnTo>
-                    <a:pt x="51273" y="2465567"/>
+                    <a:pt x="50853" y="2476827"/>
                   </a:lnTo>
                   <a:lnTo>
-                    <a:pt x="101770" y="2465289"/>
+                    <a:pt x="100936" y="2476716"/>
                   </a:lnTo>
                   <a:lnTo>
-                    <a:pt x="167902" y="2446344"/>
+                    <a:pt x="166526" y="2457851"/>
                   </a:lnTo>
                   <a:lnTo>
-                    <a:pt x="248667" y="2409020"/>
+                    <a:pt x="246629" y="2420518"/>
                   </a:lnTo>
                   <a:lnTo>
-                    <a:pt x="342841" y="2353881"/>
+                    <a:pt x="340031" y="2365284"/>
                   </a:lnTo>
                   <a:lnTo>
-                    <a:pt x="448995" y="2281765"/>
+                    <a:pt x="445315" y="2292984"/>
                   </a:lnTo>
                   <a:lnTo>
-                    <a:pt x="565522" y="2193763"/>
+                    <a:pt x="560886" y="2204715"/>
                   </a:lnTo>
                   <a:lnTo>
-                    <a:pt x="690653" y="2091211"/>
+                    <a:pt x="684992" y="2101816"/>
                   </a:lnTo>
                   <a:lnTo>
-                    <a:pt x="822493" y="1975663"/>
+                    <a:pt x="815752" y="1985846"/>
                   </a:lnTo>
                   <a:lnTo>
-                    <a:pt x="959044" y="1848870"/>
+                    <a:pt x="951183" y="1858563"/>
                   </a:lnTo>
                   <a:lnTo>
-                    <a:pt x="1098234" y="1712755"/>
+                    <a:pt x="1089232" y="1721896"/>
                   </a:lnTo>
                   <a:lnTo>
-                    <a:pt x="1237954" y="1569380"/>
+                    <a:pt x="1227807" y="1577918"/>
                   </a:lnTo>
                   <a:lnTo>
-                    <a:pt x="1376086" y="1420920"/>
+                    <a:pt x="1364807" y="1428811"/>
                   </a:lnTo>
                   <a:lnTo>
-                    <a:pt x="1510536" y="1269624"/>
+                    <a:pt x="1498155" y="1276835"/>
                   </a:lnTo>
                   <a:lnTo>
-                    <a:pt x="1639266" y="1117787"/>
+                    <a:pt x="1625830" y="1124293"/>
                   </a:lnTo>
                   <a:lnTo>
-                    <a:pt x="1760325" y="967709"/>
+                    <a:pt x="1745897" y="973499"/>
                   </a:lnTo>
                   <a:lnTo>
-                    <a:pt x="1871877" y="821666"/>
+                    <a:pt x="1856534" y="826739"/>
                   </a:lnTo>
                   <a:lnTo>
-                    <a:pt x="1972231" y="681873"/>
+                    <a:pt x="1956066" y="686236"/>
                   </a:lnTo>
                   <a:lnTo>
-                    <a:pt x="2059867" y="550447"/>
+                    <a:pt x="2042983" y="554121"/>
                   </a:lnTo>
                   <a:lnTo>
-                    <a:pt x="2133455" y="429381"/>
+                    <a:pt x="2115968" y="432397"/>
                   </a:lnTo>
                   <a:lnTo>
-                    <a:pt x="2191880" y="320511"/>
+                    <a:pt x="2173915" y="322908"/>
                   </a:lnTo>
                   <a:lnTo>
-                    <a:pt x="2234257" y="225486"/>
+                    <a:pt x="2215944" y="227315"/>
                   </a:lnTo>
                   <a:lnTo>
-                    <a:pt x="2259942" y="145748"/>
+                    <a:pt x="2241419" y="147067"/>
                   </a:lnTo>
                   <a:close/>
                 </a:path>
@@ -15571,165 +15571,165 @@
           </p:nvSpPr>
           <p:spPr>
             <a:xfrm>
-              <a:off x="4340094" y="2172046"/>
-              <a:ext cx="1767249" cy="1957782"/>
+              <a:off x="4359484" y="2175217"/>
+              <a:ext cx="1747858" cy="1954570"/>
             </a:xfrm>
             <a:custGeom>
               <a:avLst/>
               <a:pathLst>
-                <a:path w="1767249" h="1957782">
+                <a:path w="1747858" h="1954570">
                   <a:moveTo>
-                    <a:pt x="1767249" y="151931"/>
+                    <a:pt x="1747858" y="153050"/>
                   </a:moveTo>
                   <a:lnTo>
-                    <a:pt x="1760545" y="93573"/>
+                    <a:pt x="1741228" y="94538"/>
                   </a:lnTo>
                   <a:lnTo>
-                    <a:pt x="1740536" y="48627"/>
+                    <a:pt x="1721438" y="49399"/>
                   </a:lnTo>
                   <a:lnTo>
-                    <a:pt x="1707523" y="17774"/>
+                    <a:pt x="1688788" y="18319"/>
                   </a:lnTo>
                   <a:lnTo>
-                    <a:pt x="1662009" y="1483"/>
+                    <a:pt x="1643773" y="1769"/>
                   </a:lnTo>
                   <a:lnTo>
-                    <a:pt x="1604682" y="0"/>
+                    <a:pt x="1587075" y="0"/>
                   </a:lnTo>
                   <a:lnTo>
-                    <a:pt x="1536412" y="13347"/>
+                    <a:pt x="1519554" y="13037"/>
                   </a:lnTo>
                   <a:lnTo>
-                    <a:pt x="1458234" y="41322"/>
+                    <a:pt x="1442234" y="40684"/>
                   </a:lnTo>
                   <a:lnTo>
-                    <a:pt x="1371332" y="83502"/>
+                    <a:pt x="1356286" y="82522"/>
                   </a:lnTo>
                   <a:lnTo>
-                    <a:pt x="1277025" y="139246"/>
+                    <a:pt x="1263013" y="137916"/>
                   </a:lnTo>
                   <a:lnTo>
-                    <a:pt x="1176741" y="207710"/>
+                    <a:pt x="1163830" y="206027"/>
                   </a:lnTo>
                   <a:lnTo>
-                    <a:pt x="1072002" y="287856"/>
+                    <a:pt x="1060239" y="285822"/>
                   </a:lnTo>
                   <a:lnTo>
-                    <a:pt x="964394" y="378469"/>
+                    <a:pt x="953812" y="376091"/>
                   </a:lnTo>
                   <a:lnTo>
-                    <a:pt x="855548" y="478175"/>
+                    <a:pt x="846161" y="475467"/>
                   </a:lnTo>
                   <a:lnTo>
-                    <a:pt x="747116" y="585463"/>
+                    <a:pt x="738919" y="582442"/>
                   </a:lnTo>
                   <a:lnTo>
-                    <a:pt x="640741" y="698706"/>
+                    <a:pt x="633710" y="695395"/>
                   </a:lnTo>
                   <a:lnTo>
-                    <a:pt x="538034" y="816188"/>
+                    <a:pt x="532131" y="812614"/>
                   </a:lnTo>
                   <a:lnTo>
-                    <a:pt x="440554" y="936129"/>
+                    <a:pt x="435720" y="932322"/>
                   </a:lnTo>
                   <a:lnTo>
-                    <a:pt x="349777" y="1056709"/>
+                    <a:pt x="345939" y="1052705"/>
                   </a:lnTo>
                   <a:lnTo>
-                    <a:pt x="267080" y="1176101"/>
+                    <a:pt x="264150" y="1171936"/>
                   </a:lnTo>
                   <a:lnTo>
-                    <a:pt x="193717" y="1292495"/>
+                    <a:pt x="191592" y="1288210"/>
                   </a:lnTo>
                   <a:lnTo>
-                    <a:pt x="130799" y="1404127"/>
+                    <a:pt x="129364" y="1399763"/>
                   </a:lnTo>
                   <a:lnTo>
-                    <a:pt x="79281" y="1509304"/>
+                    <a:pt x="78411" y="1504904"/>
                   </a:lnTo>
                   <a:lnTo>
-                    <a:pt x="39943" y="1606432"/>
+                    <a:pt x="39505" y="1602040"/>
                   </a:lnTo>
                   <a:lnTo>
-                    <a:pt x="13382" y="1694038"/>
+                    <a:pt x="13235" y="1689697"/>
                   </a:lnTo>
                   <a:lnTo>
-                    <a:pt x="0" y="1770796"/>
+                    <a:pt x="0" y="1766548"/>
                   </a:lnTo>
                   <a:lnTo>
-                    <a:pt x="0" y="1835540"/>
+                    <a:pt x="0" y="1831427"/>
                   </a:lnTo>
                   <a:lnTo>
-                    <a:pt x="13382" y="1887290"/>
+                    <a:pt x="13235" y="1883351"/>
                   </a:lnTo>
                   <a:lnTo>
-                    <a:pt x="39943" y="1925261"/>
+                    <a:pt x="39505" y="1921533"/>
                   </a:lnTo>
                   <a:lnTo>
-                    <a:pt x="79281" y="1948878"/>
+                    <a:pt x="78411" y="1945393"/>
                   </a:lnTo>
                   <a:lnTo>
-                    <a:pt x="130799" y="1957782"/>
+                    <a:pt x="129364" y="1954570"/>
                   </a:lnTo>
                   <a:lnTo>
-                    <a:pt x="193717" y="1951839"/>
+                    <a:pt x="191592" y="1948926"/>
                   </a:lnTo>
                   <a:lnTo>
-                    <a:pt x="267080" y="1931139"/>
+                    <a:pt x="264150" y="1928545"/>
                   </a:lnTo>
                   <a:lnTo>
-                    <a:pt x="349777" y="1895995"/>
+                    <a:pt x="345939" y="1893736"/>
                   </a:lnTo>
                   <a:lnTo>
-                    <a:pt x="440554" y="1846940"/>
+                    <a:pt x="435720" y="1845028"/>
                   </a:lnTo>
                   <a:lnTo>
-                    <a:pt x="538034" y="1784717"/>
+                    <a:pt x="532131" y="1783158"/>
                   </a:lnTo>
                   <a:lnTo>
-                    <a:pt x="640741" y="1710271"/>
+                    <a:pt x="633710" y="1709065"/>
                   </a:lnTo>
                   <a:lnTo>
-                    <a:pt x="747116" y="1624730"/>
+                    <a:pt x="738919" y="1623871"/>
                   </a:lnTo>
                   <a:lnTo>
-                    <a:pt x="855548" y="1529390"/>
+                    <a:pt x="846161" y="1528868"/>
                   </a:lnTo>
                   <a:lnTo>
-                    <a:pt x="964394" y="1425696"/>
+                    <a:pt x="953812" y="1425497"/>
                   </a:lnTo>
                   <a:lnTo>
-                    <a:pt x="1072002" y="1315221"/>
+                    <a:pt x="1060239" y="1315324"/>
                   </a:lnTo>
                   <a:lnTo>
-                    <a:pt x="1176741" y="1199638"/>
+                    <a:pt x="1163830" y="1200019"/>
                   </a:lnTo>
                   <a:lnTo>
-                    <a:pt x="1277025" y="1080701"/>
+                    <a:pt x="1263013" y="1081330"/>
                   </a:lnTo>
                   <a:lnTo>
-                    <a:pt x="1371332" y="960213"/>
+                    <a:pt x="1356286" y="961057"/>
                   </a:lnTo>
                   <a:lnTo>
-                    <a:pt x="1458234" y="839999"/>
+                    <a:pt x="1442234" y="841022"/>
                   </a:lnTo>
                   <a:lnTo>
-                    <a:pt x="1536412" y="721882"/>
+                    <a:pt x="1519554" y="723046"/>
                   </a:lnTo>
                   <a:lnTo>
-                    <a:pt x="1604682" y="607652"/>
+                    <a:pt x="1587075" y="608916"/>
                   </a:lnTo>
                   <a:lnTo>
-                    <a:pt x="1662009" y="499042"/>
+                    <a:pt x="1643773" y="500363"/>
                   </a:lnTo>
                   <a:lnTo>
-                    <a:pt x="1707523" y="397697"/>
+                    <a:pt x="1688788" y="399033"/>
                   </a:lnTo>
                   <a:lnTo>
-                    <a:pt x="1740536" y="305154"/>
+                    <a:pt x="1721438" y="306460"/>
                   </a:lnTo>
                   <a:lnTo>
-                    <a:pt x="1760545" y="222816"/>
+                    <a:pt x="1741228" y="224050"/>
                   </a:lnTo>
                   <a:close/>
                 </a:path>
@@ -15794,7 +15794,7 @@
           </p:nvSpPr>
           <p:spPr>
             <a:xfrm>
-              <a:off x="1159947" y="5329243"/>
+              <a:off x="1159947" y="5346613"/>
               <a:ext cx="183554" cy="92831"/>
             </a:xfrm>
             <a:prstGeom prst="rect">
@@ -15840,7 +15840,7 @@
           </p:nvSpPr>
           <p:spPr>
             <a:xfrm>
-              <a:off x="1159947" y="4157175"/>
+              <a:off x="1159947" y="4167446"/>
               <a:ext cx="183554" cy="92831"/>
             </a:xfrm>
             <a:prstGeom prst="rect">
@@ -15886,7 +15886,7 @@
           </p:nvSpPr>
           <p:spPr>
             <a:xfrm>
-              <a:off x="1272870" y="2985107"/>
+              <a:off x="1272870" y="2988279"/>
               <a:ext cx="70631" cy="92831"/>
             </a:xfrm>
             <a:prstGeom prst="rect">
@@ -15932,7 +15932,7 @@
           </p:nvSpPr>
           <p:spPr>
             <a:xfrm>
-              <a:off x="1202239" y="1813039"/>
+              <a:off x="1202239" y="1809112"/>
               <a:ext cx="141262" cy="92831"/>
             </a:xfrm>
             <a:prstGeom prst="rect">
@@ -15978,7 +15978,7 @@
           </p:nvSpPr>
           <p:spPr>
             <a:xfrm>
-              <a:off x="1371337" y="5376620"/>
+              <a:off x="1371337" y="5393990"/>
               <a:ext cx="34794" cy="0"/>
             </a:xfrm>
             <a:custGeom>
@@ -16018,7 +16018,7 @@
           </p:nvSpPr>
           <p:spPr>
             <a:xfrm>
-              <a:off x="1371337" y="4204552"/>
+              <a:off x="1371337" y="4214823"/>
               <a:ext cx="34794" cy="0"/>
             </a:xfrm>
             <a:custGeom>
@@ -16058,7 +16058,7 @@
           </p:nvSpPr>
           <p:spPr>
             <a:xfrm>
-              <a:off x="1371337" y="3032484"/>
+              <a:off x="1371337" y="3035656"/>
               <a:ext cx="34794" cy="0"/>
             </a:xfrm>
             <a:custGeom>
@@ -16098,7 +16098,7 @@
           </p:nvSpPr>
           <p:spPr>
             <a:xfrm>
-              <a:off x="1371337" y="1860416"/>
+              <a:off x="1371337" y="1856489"/>
               <a:ext cx="34794" cy="0"/>
             </a:xfrm>
             <a:custGeom>
@@ -16138,7 +16138,7 @@
           </p:nvSpPr>
           <p:spPr>
             <a:xfrm>
-              <a:off x="2311344" y="5974986"/>
+              <a:off x="2317642" y="5974986"/>
               <a:ext cx="0" cy="34794"/>
             </a:xfrm>
             <a:custGeom>
@@ -16178,7 +16178,7 @@
           </p:nvSpPr>
           <p:spPr>
             <a:xfrm>
-              <a:off x="3405664" y="5974986"/>
+              <a:off x="3413617" y="5974986"/>
               <a:ext cx="0" cy="34794"/>
             </a:xfrm>
             <a:custGeom>
@@ -16218,7 +16218,7 @@
           </p:nvSpPr>
           <p:spPr>
             <a:xfrm>
-              <a:off x="4499983" y="5974986"/>
+              <a:off x="4509592" y="5974986"/>
               <a:ext cx="0" cy="34794"/>
             </a:xfrm>
             <a:custGeom>
@@ -16258,7 +16258,7 @@
           </p:nvSpPr>
           <p:spPr>
             <a:xfrm>
-              <a:off x="5594302" y="5974986"/>
+              <a:off x="5605568" y="5974986"/>
               <a:ext cx="0" cy="34794"/>
             </a:xfrm>
             <a:custGeom>
@@ -16298,7 +16298,7 @@
           </p:nvSpPr>
           <p:spPr>
             <a:xfrm>
-              <a:off x="2219567" y="6035694"/>
+              <a:off x="2225864" y="6035694"/>
               <a:ext cx="183554" cy="92831"/>
             </a:xfrm>
             <a:prstGeom prst="rect">
@@ -16344,7 +16344,7 @@
           </p:nvSpPr>
           <p:spPr>
             <a:xfrm>
-              <a:off x="3349202" y="6037306"/>
+              <a:off x="3357155" y="6037306"/>
               <a:ext cx="112923" cy="91219"/>
             </a:xfrm>
             <a:prstGeom prst="rect">
@@ -16390,7 +16390,7 @@
           </p:nvSpPr>
           <p:spPr>
             <a:xfrm>
-              <a:off x="4464667" y="6035694"/>
+              <a:off x="4474277" y="6035694"/>
               <a:ext cx="70631" cy="92831"/>
             </a:xfrm>
             <a:prstGeom prst="rect">
@@ -16436,7 +16436,7 @@
           </p:nvSpPr>
           <p:spPr>
             <a:xfrm>
-              <a:off x="5558987" y="6037306"/>
+              <a:off x="5570252" y="6037306"/>
               <a:ext cx="70631" cy="91219"/>
             </a:xfrm>
             <a:prstGeom prst="rect">
@@ -16482,8 +16482,8 @@
           </p:nvSpPr>
           <p:spPr>
             <a:xfrm>
-              <a:off x="3551034" y="6156114"/>
-              <a:ext cx="635272" cy="143023"/>
+              <a:off x="3466388" y="6156114"/>
+              <a:ext cx="804564" cy="143023"/>
             </a:xfrm>
             <a:prstGeom prst="rect">
               <a:avLst/>
@@ -16515,7 +16515,7 @@
                   <a:latin typeface="Arial"/>
                   <a:cs typeface="Arial"/>
                 </a:rPr>
-                <a:t>P1 (16%)</a:t>
+                <a:t>t(1) (16.1%)</a:t>
               </a:r>
             </a:p>
           </p:txBody>
@@ -16528,8 +16528,8 @@
           </p:nvSpPr>
           <p:spPr>
             <a:xfrm rot="-5400000">
-              <a:off x="640382" y="3407975"/>
-              <a:ext cx="762372" cy="143023"/>
+              <a:off x="619285" y="3407975"/>
+              <a:ext cx="804564" cy="143023"/>
             </a:xfrm>
             <a:prstGeom prst="rect">
               <a:avLst/>
@@ -16561,7 +16561,7 @@
                   <a:latin typeface="Arial"/>
                   <a:cs typeface="Arial"/>
                 </a:rPr>
-                <a:t>P2 (17.5%)</a:t>
+                <a:t>t(2) (17.6%)</a:t>
               </a:r>
             </a:p>
           </p:txBody>
